--- a/Proyecto/Exposición/Exposición trimestre 1.pptx
+++ b/Proyecto/Exposición/Exposición trimestre 1.pptx
@@ -1,6 +1,6 @@
 
 <file path=ppt/presentation.xml><?xml version="1.0" encoding="utf-8"?>
-<p:presentation xmlns:a="http://schemas.openxmlformats.org/drawingml/2006/main" xmlns:r="http://schemas.openxmlformats.org/officeDocument/2006/relationships" xmlns:mc="http://schemas.openxmlformats.org/markup-compatibility/2006" xmlns:mv="urn:schemas-microsoft-com:mac:vml" xmlns:p="http://schemas.openxmlformats.org/presentationml/2006/main" xmlns:c="http://schemas.openxmlformats.org/drawingml/2006/chart" xmlns:dgm="http://schemas.openxmlformats.org/drawingml/2006/diagram" xmlns:o="urn:schemas-microsoft-com:office:office" xmlns:v="urn:schemas-microsoft-com:vml" xmlns:pvml="urn:schemas-microsoft-com:office:powerpoint" xmlns:com="http://schemas.openxmlformats.org/drawingml/2006/compatibility" xmlns:p14="http://schemas.microsoft.com/office/powerpoint/2010/main" xmlns:p15="http://schemas.microsoft.com/office/powerpoint/2012/main" autoCompressPictures="0" embedTrueTypeFonts="1" strictFirstAndLastChars="0" saveSubsetFonts="1">
+<p:presentation xmlns:a="http://schemas.openxmlformats.org/drawingml/2006/main" xmlns:r="http://schemas.openxmlformats.org/officeDocument/2006/relationships" xmlns:mc="http://schemas.openxmlformats.org/markup-compatibility/2006" xmlns:mv="urn:schemas-microsoft-com:mac:vml" xmlns:p="http://schemas.openxmlformats.org/presentationml/2006/main" xmlns:c="http://schemas.openxmlformats.org/drawingml/2006/chart" xmlns:dgm="http://schemas.openxmlformats.org/drawingml/2006/diagram" xmlns:o="urn:schemas-microsoft-com:office:office" xmlns:v="urn:schemas-microsoft-com:vml" xmlns:pvml="urn:schemas-microsoft-com:office:powerpoint" xmlns:com="http://schemas.openxmlformats.org/drawingml/2006/compatibility" xmlns:p14="http://schemas.microsoft.com/office/powerpoint/2010/main" xmlns:p15="http://schemas.microsoft.com/office/powerpoint/2012/main" xmlns:ahyp="http://schemas.microsoft.com/office/drawing/2018/hyperlinkcolor" autoCompressPictures="0" embedTrueTypeFonts="1" strictFirstAndLastChars="0" saveSubsetFonts="1">
   <p:sldMasterIdLst>
     <p:sldMasterId id="2147483648" r:id="rId5"/>
   </p:sldMasterIdLst>
@@ -25,14 +25,13 @@
     <p:sldId id="270" r:id="rId21"/>
     <p:sldId id="271" r:id="rId22"/>
     <p:sldId id="272" r:id="rId23"/>
-    <p:sldId id="273" r:id="rId24"/>
   </p:sldIdLst>
   <p:sldSz cy="6858000" cx="9144000"/>
   <p:notesSz cx="6858000" cy="9144000"/>
   <p:embeddedFontLst>
     <p:embeddedFont>
       <p:font typeface="Arial Black"/>
-      <p:regular r:id="rId25"/>
+      <p:regular r:id="rId24"/>
     </p:embeddedFont>
   </p:embeddedFontLst>
   <p:defaultTextStyle>
@@ -294,20 +293,20 @@
       </p15:notesGuideLst>
     </p:ext>
     <p:ext uri="http://customooxmlschemas.google.com/">
-      <go:slidesCustomData xmlns:go="http://customooxmlschemas.google.com/" r:id="rId26" roundtripDataSignature="AMtx7miAtxN7nNtBXWWn+2tIOWXemlr3Pg=="/>
+      <go:slidesCustomData xmlns:go="http://customooxmlschemas.google.com/" r:id="rId25" roundtripDataSignature="AMtx7mjvF+jtsbrPjrkuUdScWOicD2MeeQ=="/>
     </p:ext>
   </p:extLst>
 </p:presentation>
 </file>
 
 <file path=ppt/commentAuthors.xml><?xml version="1.0" encoding="utf-8"?>
-<p:cmAuthorLst xmlns:a="http://schemas.openxmlformats.org/drawingml/2006/main" xmlns:r="http://schemas.openxmlformats.org/officeDocument/2006/relationships" xmlns:mc="http://schemas.openxmlformats.org/markup-compatibility/2006" xmlns:mv="urn:schemas-microsoft-com:mac:vml" xmlns:p="http://schemas.openxmlformats.org/presentationml/2006/main" xmlns:c="http://schemas.openxmlformats.org/drawingml/2006/chart" xmlns:dgm="http://schemas.openxmlformats.org/drawingml/2006/diagram" xmlns:o="urn:schemas-microsoft-com:office:office" xmlns:v="urn:schemas-microsoft-com:vml" xmlns:pvml="urn:schemas-microsoft-com:office:powerpoint" xmlns:com="http://schemas.openxmlformats.org/drawingml/2006/compatibility" xmlns:p14="http://schemas.microsoft.com/office/powerpoint/2010/main" xmlns:p15="http://schemas.microsoft.com/office/powerpoint/2012/main">
+<p:cmAuthorLst xmlns:a="http://schemas.openxmlformats.org/drawingml/2006/main" xmlns:r="http://schemas.openxmlformats.org/officeDocument/2006/relationships" xmlns:mc="http://schemas.openxmlformats.org/markup-compatibility/2006" xmlns:mv="urn:schemas-microsoft-com:mac:vml" xmlns:p="http://schemas.openxmlformats.org/presentationml/2006/main" xmlns:c="http://schemas.openxmlformats.org/drawingml/2006/chart" xmlns:dgm="http://schemas.openxmlformats.org/drawingml/2006/diagram" xmlns:o="urn:schemas-microsoft-com:office:office" xmlns:v="urn:schemas-microsoft-com:vml" xmlns:pvml="urn:schemas-microsoft-com:office:powerpoint" xmlns:com="http://schemas.openxmlformats.org/drawingml/2006/compatibility" xmlns:p14="http://schemas.microsoft.com/office/powerpoint/2010/main" xmlns:p15="http://schemas.microsoft.com/office/powerpoint/2012/main" xmlns:ahyp="http://schemas.microsoft.com/office/drawing/2018/hyperlinkcolor">
   <p:cmAuthor clrIdx="0" id="0" initials="" lastIdx="3" name="JUAN DAVID MARTIN GARCES"/>
 </p:cmAuthorLst>
 </file>
 
 <file path=ppt/comments/comment1.xml><?xml version="1.0" encoding="utf-8"?>
-<p:cmLst xmlns:a="http://schemas.openxmlformats.org/drawingml/2006/main" xmlns:r="http://schemas.openxmlformats.org/officeDocument/2006/relationships" xmlns:mc="http://schemas.openxmlformats.org/markup-compatibility/2006" xmlns:mv="urn:schemas-microsoft-com:mac:vml" xmlns:p="http://schemas.openxmlformats.org/presentationml/2006/main" xmlns:c="http://schemas.openxmlformats.org/drawingml/2006/chart" xmlns:dgm="http://schemas.openxmlformats.org/drawingml/2006/diagram" xmlns:o="urn:schemas-microsoft-com:office:office" xmlns:v="urn:schemas-microsoft-com:vml" xmlns:pvml="urn:schemas-microsoft-com:office:powerpoint" xmlns:com="http://schemas.openxmlformats.org/drawingml/2006/compatibility" xmlns:p14="http://schemas.microsoft.com/office/powerpoint/2010/main" xmlns:p15="http://schemas.microsoft.com/office/powerpoint/2012/main">
+<p:cmLst xmlns:a="http://schemas.openxmlformats.org/drawingml/2006/main" xmlns:r="http://schemas.openxmlformats.org/officeDocument/2006/relationships" xmlns:mc="http://schemas.openxmlformats.org/markup-compatibility/2006" xmlns:mv="urn:schemas-microsoft-com:mac:vml" xmlns:p="http://schemas.openxmlformats.org/presentationml/2006/main" xmlns:c="http://schemas.openxmlformats.org/drawingml/2006/chart" xmlns:dgm="http://schemas.openxmlformats.org/drawingml/2006/diagram" xmlns:o="urn:schemas-microsoft-com:office:office" xmlns:v="urn:schemas-microsoft-com:vml" xmlns:pvml="urn:schemas-microsoft-com:office:powerpoint" xmlns:com="http://schemas.openxmlformats.org/drawingml/2006/compatibility" xmlns:p14="http://schemas.microsoft.com/office/powerpoint/2010/main" xmlns:p15="http://schemas.microsoft.com/office/powerpoint/2012/main" xmlns:ahyp="http://schemas.microsoft.com/office/drawing/2018/hyperlinkcolor">
   <p:cm authorId="0" idx="1" dt="2019-12-14T16:21:42.267">
     <p:pos x="6000" y="0"/>
     <p:text>pòr mejorar</p:text>
@@ -338,7 +337,7 @@
 </file>
 
 <file path=ppt/comments/comment2.xml><?xml version="1.0" encoding="utf-8"?>
-<p:cmLst xmlns:a="http://schemas.openxmlformats.org/drawingml/2006/main" xmlns:r="http://schemas.openxmlformats.org/officeDocument/2006/relationships" xmlns:mc="http://schemas.openxmlformats.org/markup-compatibility/2006" xmlns:mv="urn:schemas-microsoft-com:mac:vml" xmlns:p="http://schemas.openxmlformats.org/presentationml/2006/main" xmlns:c="http://schemas.openxmlformats.org/drawingml/2006/chart" xmlns:dgm="http://schemas.openxmlformats.org/drawingml/2006/diagram" xmlns:o="urn:schemas-microsoft-com:office:office" xmlns:v="urn:schemas-microsoft-com:vml" xmlns:pvml="urn:schemas-microsoft-com:office:powerpoint" xmlns:com="http://schemas.openxmlformats.org/drawingml/2006/compatibility" xmlns:p14="http://schemas.microsoft.com/office/powerpoint/2010/main" xmlns:p15="http://schemas.microsoft.com/office/powerpoint/2012/main">
+<p:cmLst xmlns:a="http://schemas.openxmlformats.org/drawingml/2006/main" xmlns:r="http://schemas.openxmlformats.org/officeDocument/2006/relationships" xmlns:mc="http://schemas.openxmlformats.org/markup-compatibility/2006" xmlns:mv="urn:schemas-microsoft-com:mac:vml" xmlns:p="http://schemas.openxmlformats.org/presentationml/2006/main" xmlns:c="http://schemas.openxmlformats.org/drawingml/2006/chart" xmlns:dgm="http://schemas.openxmlformats.org/drawingml/2006/diagram" xmlns:o="urn:schemas-microsoft-com:office:office" xmlns:v="urn:schemas-microsoft-com:vml" xmlns:pvml="urn:schemas-microsoft-com:office:powerpoint" xmlns:com="http://schemas.openxmlformats.org/drawingml/2006/compatibility" xmlns:p14="http://schemas.microsoft.com/office/powerpoint/2010/main" xmlns:p15="http://schemas.microsoft.com/office/powerpoint/2012/main" xmlns:ahyp="http://schemas.microsoft.com/office/drawing/2018/hyperlinkcolor">
   <p:cm authorId="0" idx="3" dt="2019-12-14T15:56:05.434">
     <p:pos x="6000" y="0"/>
     <p:text>caracteristicas del servidor  en las culaes se va desplegar el proye</p:text>
@@ -355,7 +354,7 @@
 </file>
 
 <file path=ppt/notesMasters/notesMaster1.xml><?xml version="1.0" encoding="utf-8"?>
-<p:notesMaster xmlns:a="http://schemas.openxmlformats.org/drawingml/2006/main" xmlns:r="http://schemas.openxmlformats.org/officeDocument/2006/relationships" xmlns:mc="http://schemas.openxmlformats.org/markup-compatibility/2006" xmlns:mv="urn:schemas-microsoft-com:mac:vml" xmlns:p="http://schemas.openxmlformats.org/presentationml/2006/main" xmlns:c="http://schemas.openxmlformats.org/drawingml/2006/chart" xmlns:dgm="http://schemas.openxmlformats.org/drawingml/2006/diagram" xmlns:o="urn:schemas-microsoft-com:office:office" xmlns:v="urn:schemas-microsoft-com:vml" xmlns:pvml="urn:schemas-microsoft-com:office:powerpoint" xmlns:com="http://schemas.openxmlformats.org/drawingml/2006/compatibility" xmlns:p14="http://schemas.microsoft.com/office/powerpoint/2010/main" xmlns:p15="http://schemas.microsoft.com/office/powerpoint/2012/main">
+<p:notesMaster xmlns:a="http://schemas.openxmlformats.org/drawingml/2006/main" xmlns:r="http://schemas.openxmlformats.org/officeDocument/2006/relationships" xmlns:mc="http://schemas.openxmlformats.org/markup-compatibility/2006" xmlns:mv="urn:schemas-microsoft-com:mac:vml" xmlns:p="http://schemas.openxmlformats.org/presentationml/2006/main" xmlns:c="http://schemas.openxmlformats.org/drawingml/2006/chart" xmlns:dgm="http://schemas.openxmlformats.org/drawingml/2006/diagram" xmlns:o="urn:schemas-microsoft-com:office:office" xmlns:v="urn:schemas-microsoft-com:vml" xmlns:pvml="urn:schemas-microsoft-com:office:powerpoint" xmlns:com="http://schemas.openxmlformats.org/drawingml/2006/compatibility" xmlns:p14="http://schemas.microsoft.com/office/powerpoint/2010/main" xmlns:p15="http://schemas.microsoft.com/office/powerpoint/2012/main" xmlns:ahyp="http://schemas.microsoft.com/office/drawing/2018/hyperlinkcolor">
   <p:cSld>
     <p:spTree>
       <p:nvGrpSpPr>
@@ -916,7 +915,7 @@
 </file>
 
 <file path=ppt/notesSlides/notesSlide1.xml><?xml version="1.0" encoding="utf-8"?>
-<p:notes xmlns:a="http://schemas.openxmlformats.org/drawingml/2006/main" xmlns:r="http://schemas.openxmlformats.org/officeDocument/2006/relationships" xmlns:mc="http://schemas.openxmlformats.org/markup-compatibility/2006" xmlns:mv="urn:schemas-microsoft-com:mac:vml" xmlns:p="http://schemas.openxmlformats.org/presentationml/2006/main" xmlns:c="http://schemas.openxmlformats.org/drawingml/2006/chart" xmlns:dgm="http://schemas.openxmlformats.org/drawingml/2006/diagram" xmlns:o="urn:schemas-microsoft-com:office:office" xmlns:v="urn:schemas-microsoft-com:vml" xmlns:pvml="urn:schemas-microsoft-com:office:powerpoint" xmlns:com="http://schemas.openxmlformats.org/drawingml/2006/compatibility" xmlns:p14="http://schemas.microsoft.com/office/powerpoint/2010/main" xmlns:p15="http://schemas.microsoft.com/office/powerpoint/2012/main" showMasterPhAnim="0" showMasterSp="0">
+<p:notes xmlns:a="http://schemas.openxmlformats.org/drawingml/2006/main" xmlns:r="http://schemas.openxmlformats.org/officeDocument/2006/relationships" xmlns:mc="http://schemas.openxmlformats.org/markup-compatibility/2006" xmlns:mv="urn:schemas-microsoft-com:mac:vml" xmlns:p="http://schemas.openxmlformats.org/presentationml/2006/main" xmlns:c="http://schemas.openxmlformats.org/drawingml/2006/chart" xmlns:dgm="http://schemas.openxmlformats.org/drawingml/2006/diagram" xmlns:o="urn:schemas-microsoft-com:office:office" xmlns:v="urn:schemas-microsoft-com:vml" xmlns:pvml="urn:schemas-microsoft-com:office:powerpoint" xmlns:com="http://schemas.openxmlformats.org/drawingml/2006/compatibility" xmlns:p14="http://schemas.microsoft.com/office/powerpoint/2010/main" xmlns:p15="http://schemas.microsoft.com/office/powerpoint/2012/main" xmlns:ahyp="http://schemas.microsoft.com/office/drawing/2018/hyperlinkcolor" showMasterPhAnim="0" showMasterSp="0">
   <p:cSld>
     <p:spTree>
       <p:nvGrpSpPr>
@@ -1033,7 +1032,7 @@
 </file>
 
 <file path=ppt/notesSlides/notesSlide10.xml><?xml version="1.0" encoding="utf-8"?>
-<p:notes xmlns:a="http://schemas.openxmlformats.org/drawingml/2006/main" xmlns:r="http://schemas.openxmlformats.org/officeDocument/2006/relationships" xmlns:mc="http://schemas.openxmlformats.org/markup-compatibility/2006" xmlns:mv="urn:schemas-microsoft-com:mac:vml" xmlns:p="http://schemas.openxmlformats.org/presentationml/2006/main" xmlns:c="http://schemas.openxmlformats.org/drawingml/2006/chart" xmlns:dgm="http://schemas.openxmlformats.org/drawingml/2006/diagram" xmlns:o="urn:schemas-microsoft-com:office:office" xmlns:v="urn:schemas-microsoft-com:vml" xmlns:pvml="urn:schemas-microsoft-com:office:powerpoint" xmlns:com="http://schemas.openxmlformats.org/drawingml/2006/compatibility" xmlns:p14="http://schemas.microsoft.com/office/powerpoint/2010/main" xmlns:p15="http://schemas.microsoft.com/office/powerpoint/2012/main" showMasterPhAnim="0" showMasterSp="0">
+<p:notes xmlns:a="http://schemas.openxmlformats.org/drawingml/2006/main" xmlns:r="http://schemas.openxmlformats.org/officeDocument/2006/relationships" xmlns:mc="http://schemas.openxmlformats.org/markup-compatibility/2006" xmlns:mv="urn:schemas-microsoft-com:mac:vml" xmlns:p="http://schemas.openxmlformats.org/presentationml/2006/main" xmlns:c="http://schemas.openxmlformats.org/drawingml/2006/chart" xmlns:dgm="http://schemas.openxmlformats.org/drawingml/2006/diagram" xmlns:o="urn:schemas-microsoft-com:office:office" xmlns:v="urn:schemas-microsoft-com:vml" xmlns:pvml="urn:schemas-microsoft-com:office:powerpoint" xmlns:com="http://schemas.openxmlformats.org/drawingml/2006/compatibility" xmlns:p14="http://schemas.microsoft.com/office/powerpoint/2010/main" xmlns:p15="http://schemas.microsoft.com/office/powerpoint/2012/main" xmlns:ahyp="http://schemas.microsoft.com/office/drawing/2018/hyperlinkcolor" showMasterPhAnim="0" showMasterSp="0">
   <p:cSld>
     <p:spTree>
       <p:nvGrpSpPr>
@@ -1150,7 +1149,7 @@
 </file>
 
 <file path=ppt/notesSlides/notesSlide11.xml><?xml version="1.0" encoding="utf-8"?>
-<p:notes xmlns:a="http://schemas.openxmlformats.org/drawingml/2006/main" xmlns:r="http://schemas.openxmlformats.org/officeDocument/2006/relationships" xmlns:mc="http://schemas.openxmlformats.org/markup-compatibility/2006" xmlns:mv="urn:schemas-microsoft-com:mac:vml" xmlns:p="http://schemas.openxmlformats.org/presentationml/2006/main" xmlns:c="http://schemas.openxmlformats.org/drawingml/2006/chart" xmlns:dgm="http://schemas.openxmlformats.org/drawingml/2006/diagram" xmlns:o="urn:schemas-microsoft-com:office:office" xmlns:v="urn:schemas-microsoft-com:vml" xmlns:pvml="urn:schemas-microsoft-com:office:powerpoint" xmlns:com="http://schemas.openxmlformats.org/drawingml/2006/compatibility" xmlns:p14="http://schemas.microsoft.com/office/powerpoint/2010/main" xmlns:p15="http://schemas.microsoft.com/office/powerpoint/2012/main" showMasterPhAnim="0" showMasterSp="0">
+<p:notes xmlns:a="http://schemas.openxmlformats.org/drawingml/2006/main" xmlns:r="http://schemas.openxmlformats.org/officeDocument/2006/relationships" xmlns:mc="http://schemas.openxmlformats.org/markup-compatibility/2006" xmlns:mv="urn:schemas-microsoft-com:mac:vml" xmlns:p="http://schemas.openxmlformats.org/presentationml/2006/main" xmlns:c="http://schemas.openxmlformats.org/drawingml/2006/chart" xmlns:dgm="http://schemas.openxmlformats.org/drawingml/2006/diagram" xmlns:o="urn:schemas-microsoft-com:office:office" xmlns:v="urn:schemas-microsoft-com:vml" xmlns:pvml="urn:schemas-microsoft-com:office:powerpoint" xmlns:com="http://schemas.openxmlformats.org/drawingml/2006/compatibility" xmlns:p14="http://schemas.microsoft.com/office/powerpoint/2010/main" xmlns:p15="http://schemas.microsoft.com/office/powerpoint/2012/main" xmlns:ahyp="http://schemas.microsoft.com/office/drawing/2018/hyperlinkcolor" showMasterPhAnim="0" showMasterSp="0">
   <p:cSld>
     <p:spTree>
       <p:nvGrpSpPr>
@@ -1267,11 +1266,11 @@
 </file>
 
 <file path=ppt/notesSlides/notesSlide12.xml><?xml version="1.0" encoding="utf-8"?>
-<p:notes xmlns:a="http://schemas.openxmlformats.org/drawingml/2006/main" xmlns:r="http://schemas.openxmlformats.org/officeDocument/2006/relationships" xmlns:mc="http://schemas.openxmlformats.org/markup-compatibility/2006" xmlns:mv="urn:schemas-microsoft-com:mac:vml" xmlns:p="http://schemas.openxmlformats.org/presentationml/2006/main" xmlns:c="http://schemas.openxmlformats.org/drawingml/2006/chart" xmlns:dgm="http://schemas.openxmlformats.org/drawingml/2006/diagram" xmlns:o="urn:schemas-microsoft-com:office:office" xmlns:v="urn:schemas-microsoft-com:vml" xmlns:pvml="urn:schemas-microsoft-com:office:powerpoint" xmlns:com="http://schemas.openxmlformats.org/drawingml/2006/compatibility" xmlns:p14="http://schemas.microsoft.com/office/powerpoint/2010/main" xmlns:p15="http://schemas.microsoft.com/office/powerpoint/2012/main" showMasterPhAnim="0" showMasterSp="0">
+<p:notes xmlns:a="http://schemas.openxmlformats.org/drawingml/2006/main" xmlns:r="http://schemas.openxmlformats.org/officeDocument/2006/relationships" xmlns:mc="http://schemas.openxmlformats.org/markup-compatibility/2006" xmlns:mv="urn:schemas-microsoft-com:mac:vml" xmlns:p="http://schemas.openxmlformats.org/presentationml/2006/main" xmlns:c="http://schemas.openxmlformats.org/drawingml/2006/chart" xmlns:dgm="http://schemas.openxmlformats.org/drawingml/2006/diagram" xmlns:o="urn:schemas-microsoft-com:office:office" xmlns:v="urn:schemas-microsoft-com:vml" xmlns:pvml="urn:schemas-microsoft-com:office:powerpoint" xmlns:com="http://schemas.openxmlformats.org/drawingml/2006/compatibility" xmlns:p14="http://schemas.microsoft.com/office/powerpoint/2010/main" xmlns:p15="http://schemas.microsoft.com/office/powerpoint/2012/main" xmlns:ahyp="http://schemas.microsoft.com/office/drawing/2018/hyperlinkcolor" showMasterPhAnim="0" showMasterSp="0">
   <p:cSld>
     <p:spTree>
       <p:nvGrpSpPr>
-        <p:cNvPr id="220" name="Shape 220"/>
+        <p:cNvPr id="216" name="Shape 216"/>
         <p:cNvGrpSpPr/>
         <p:nvPr/>
       </p:nvGrpSpPr>
@@ -1285,7 +1284,7 @@
       </p:grpSpPr>
       <p:sp>
         <p:nvSpPr>
-          <p:cNvPr id="221" name="Google Shape;221;g75f9465253_0_0:notes"/>
+          <p:cNvPr id="217" name="Google Shape;217;g75f9465253_0_0:notes"/>
           <p:cNvSpPr/>
           <p:nvPr>
             <p:ph idx="2" type="sldImg"/>
@@ -1330,7 +1329,7 @@
       </p:sp>
       <p:sp>
         <p:nvSpPr>
-          <p:cNvPr id="222" name="Google Shape;222;g75f9465253_0_0:notes"/>
+          <p:cNvPr id="218" name="Google Shape;218;g75f9465253_0_0:notes"/>
           <p:cNvSpPr txBox="1"/>
           <p:nvPr>
             <p:ph idx="1" type="body"/>
@@ -1384,11 +1383,11 @@
 </file>
 
 <file path=ppt/notesSlides/notesSlide13.xml><?xml version="1.0" encoding="utf-8"?>
-<p:notes xmlns:a="http://schemas.openxmlformats.org/drawingml/2006/main" xmlns:r="http://schemas.openxmlformats.org/officeDocument/2006/relationships" xmlns:mc="http://schemas.openxmlformats.org/markup-compatibility/2006" xmlns:mv="urn:schemas-microsoft-com:mac:vml" xmlns:p="http://schemas.openxmlformats.org/presentationml/2006/main" xmlns:c="http://schemas.openxmlformats.org/drawingml/2006/chart" xmlns:dgm="http://schemas.openxmlformats.org/drawingml/2006/diagram" xmlns:o="urn:schemas-microsoft-com:office:office" xmlns:v="urn:schemas-microsoft-com:vml" xmlns:pvml="urn:schemas-microsoft-com:office:powerpoint" xmlns:com="http://schemas.openxmlformats.org/drawingml/2006/compatibility" xmlns:p14="http://schemas.microsoft.com/office/powerpoint/2010/main" xmlns:p15="http://schemas.microsoft.com/office/powerpoint/2012/main" showMasterPhAnim="0" showMasterSp="0">
+<p:notes xmlns:a="http://schemas.openxmlformats.org/drawingml/2006/main" xmlns:r="http://schemas.openxmlformats.org/officeDocument/2006/relationships" xmlns:mc="http://schemas.openxmlformats.org/markup-compatibility/2006" xmlns:mv="urn:schemas-microsoft-com:mac:vml" xmlns:p="http://schemas.openxmlformats.org/presentationml/2006/main" xmlns:c="http://schemas.openxmlformats.org/drawingml/2006/chart" xmlns:dgm="http://schemas.openxmlformats.org/drawingml/2006/diagram" xmlns:o="urn:schemas-microsoft-com:office:office" xmlns:v="urn:schemas-microsoft-com:vml" xmlns:pvml="urn:schemas-microsoft-com:office:powerpoint" xmlns:com="http://schemas.openxmlformats.org/drawingml/2006/compatibility" xmlns:p14="http://schemas.microsoft.com/office/powerpoint/2010/main" xmlns:p15="http://schemas.microsoft.com/office/powerpoint/2012/main" xmlns:ahyp="http://schemas.microsoft.com/office/drawing/2018/hyperlinkcolor" showMasterPhAnim="0" showMasterSp="0">
   <p:cSld>
     <p:spTree>
       <p:nvGrpSpPr>
-        <p:cNvPr id="235" name="Shape 235"/>
+        <p:cNvPr id="225" name="Shape 225"/>
         <p:cNvGrpSpPr/>
         <p:nvPr/>
       </p:nvGrpSpPr>
@@ -1402,7 +1401,7 @@
       </p:grpSpPr>
       <p:sp>
         <p:nvSpPr>
-          <p:cNvPr id="236" name="Google Shape;236;g6c60467031_2_14:notes"/>
+          <p:cNvPr id="226" name="Google Shape;226;g6c60467031_2_14:notes"/>
           <p:cNvSpPr txBox="1"/>
           <p:nvPr>
             <p:ph idx="1" type="body"/>
@@ -1449,7 +1448,7 @@
       </p:sp>
       <p:sp>
         <p:nvSpPr>
-          <p:cNvPr id="237" name="Google Shape;237;g6c60467031_2_14:notes"/>
+          <p:cNvPr id="227" name="Google Shape;227;g6c60467031_2_14:notes"/>
           <p:cNvSpPr/>
           <p:nvPr>
             <p:ph idx="2" type="sldImg"/>
@@ -1501,11 +1500,11 @@
 </file>
 
 <file path=ppt/notesSlides/notesSlide14.xml><?xml version="1.0" encoding="utf-8"?>
-<p:notes xmlns:a="http://schemas.openxmlformats.org/drawingml/2006/main" xmlns:r="http://schemas.openxmlformats.org/officeDocument/2006/relationships" xmlns:mc="http://schemas.openxmlformats.org/markup-compatibility/2006" xmlns:mv="urn:schemas-microsoft-com:mac:vml" xmlns:p="http://schemas.openxmlformats.org/presentationml/2006/main" xmlns:c="http://schemas.openxmlformats.org/drawingml/2006/chart" xmlns:dgm="http://schemas.openxmlformats.org/drawingml/2006/diagram" xmlns:o="urn:schemas-microsoft-com:office:office" xmlns:v="urn:schemas-microsoft-com:vml" xmlns:pvml="urn:schemas-microsoft-com:office:powerpoint" xmlns:com="http://schemas.openxmlformats.org/drawingml/2006/compatibility" xmlns:p14="http://schemas.microsoft.com/office/powerpoint/2010/main" xmlns:p15="http://schemas.microsoft.com/office/powerpoint/2012/main" showMasterPhAnim="0" showMasterSp="0">
+<p:notes xmlns:a="http://schemas.openxmlformats.org/drawingml/2006/main" xmlns:r="http://schemas.openxmlformats.org/officeDocument/2006/relationships" xmlns:mc="http://schemas.openxmlformats.org/markup-compatibility/2006" xmlns:mv="urn:schemas-microsoft-com:mac:vml" xmlns:p="http://schemas.openxmlformats.org/presentationml/2006/main" xmlns:c="http://schemas.openxmlformats.org/drawingml/2006/chart" xmlns:dgm="http://schemas.openxmlformats.org/drawingml/2006/diagram" xmlns:o="urn:schemas-microsoft-com:office:office" xmlns:v="urn:schemas-microsoft-com:vml" xmlns:pvml="urn:schemas-microsoft-com:office:powerpoint" xmlns:com="http://schemas.openxmlformats.org/drawingml/2006/compatibility" xmlns:p14="http://schemas.microsoft.com/office/powerpoint/2010/main" xmlns:p15="http://schemas.microsoft.com/office/powerpoint/2012/main" xmlns:ahyp="http://schemas.microsoft.com/office/drawing/2018/hyperlinkcolor" showMasterPhAnim="0" showMasterSp="0">
   <p:cSld>
     <p:spTree>
       <p:nvGrpSpPr>
-        <p:cNvPr id="243" name="Shape 243"/>
+        <p:cNvPr id="233" name="Shape 233"/>
         <p:cNvGrpSpPr/>
         <p:nvPr/>
       </p:nvGrpSpPr>
@@ -1519,7 +1518,7 @@
       </p:grpSpPr>
       <p:sp>
         <p:nvSpPr>
-          <p:cNvPr id="244" name="Google Shape;244;g75f729deb0_1_2:notes"/>
+          <p:cNvPr id="234" name="Google Shape;234;g75f729deb0_1_2:notes"/>
           <p:cNvSpPr txBox="1"/>
           <p:nvPr>
             <p:ph idx="1" type="body"/>
@@ -1566,7 +1565,7 @@
       </p:sp>
       <p:sp>
         <p:nvSpPr>
-          <p:cNvPr id="245" name="Google Shape;245;g75f729deb0_1_2:notes"/>
+          <p:cNvPr id="235" name="Google Shape;235;g75f729deb0_1_2:notes"/>
           <p:cNvSpPr/>
           <p:nvPr>
             <p:ph idx="2" type="sldImg"/>
@@ -1618,11 +1617,11 @@
 </file>
 
 <file path=ppt/notesSlides/notesSlide15.xml><?xml version="1.0" encoding="utf-8"?>
-<p:notes xmlns:a="http://schemas.openxmlformats.org/drawingml/2006/main" xmlns:r="http://schemas.openxmlformats.org/officeDocument/2006/relationships" xmlns:mc="http://schemas.openxmlformats.org/markup-compatibility/2006" xmlns:mv="urn:schemas-microsoft-com:mac:vml" xmlns:p="http://schemas.openxmlformats.org/presentationml/2006/main" xmlns:c="http://schemas.openxmlformats.org/drawingml/2006/chart" xmlns:dgm="http://schemas.openxmlformats.org/drawingml/2006/diagram" xmlns:o="urn:schemas-microsoft-com:office:office" xmlns:v="urn:schemas-microsoft-com:vml" xmlns:pvml="urn:schemas-microsoft-com:office:powerpoint" xmlns:com="http://schemas.openxmlformats.org/drawingml/2006/compatibility" xmlns:p14="http://schemas.microsoft.com/office/powerpoint/2010/main" xmlns:p15="http://schemas.microsoft.com/office/powerpoint/2012/main" showMasterPhAnim="0" showMasterSp="0">
+<p:notes xmlns:a="http://schemas.openxmlformats.org/drawingml/2006/main" xmlns:r="http://schemas.openxmlformats.org/officeDocument/2006/relationships" xmlns:mc="http://schemas.openxmlformats.org/markup-compatibility/2006" xmlns:mv="urn:schemas-microsoft-com:mac:vml" xmlns:p="http://schemas.openxmlformats.org/presentationml/2006/main" xmlns:c="http://schemas.openxmlformats.org/drawingml/2006/chart" xmlns:dgm="http://schemas.openxmlformats.org/drawingml/2006/diagram" xmlns:o="urn:schemas-microsoft-com:office:office" xmlns:v="urn:schemas-microsoft-com:vml" xmlns:pvml="urn:schemas-microsoft-com:office:powerpoint" xmlns:com="http://schemas.openxmlformats.org/drawingml/2006/compatibility" xmlns:p14="http://schemas.microsoft.com/office/powerpoint/2010/main" xmlns:p15="http://schemas.microsoft.com/office/powerpoint/2012/main" xmlns:ahyp="http://schemas.microsoft.com/office/drawing/2018/hyperlinkcolor" showMasterPhAnim="0" showMasterSp="0">
   <p:cSld>
     <p:spTree>
       <p:nvGrpSpPr>
-        <p:cNvPr id="253" name="Shape 253"/>
+        <p:cNvPr id="243" name="Shape 243"/>
         <p:cNvGrpSpPr/>
         <p:nvPr/>
       </p:nvGrpSpPr>
@@ -1636,7 +1635,7 @@
       </p:grpSpPr>
       <p:sp>
         <p:nvSpPr>
-          <p:cNvPr id="254" name="Google Shape;254;g75f8ec955b_0_4:notes"/>
+          <p:cNvPr id="244" name="Google Shape;244;g75f8ec955b_0_4:notes"/>
           <p:cNvSpPr txBox="1"/>
           <p:nvPr>
             <p:ph idx="1" type="body"/>
@@ -1683,7 +1682,7 @@
       </p:sp>
       <p:sp>
         <p:nvSpPr>
-          <p:cNvPr id="255" name="Google Shape;255;g75f8ec955b_0_4:notes"/>
+          <p:cNvPr id="245" name="Google Shape;245;g75f8ec955b_0_4:notes"/>
           <p:cNvSpPr/>
           <p:nvPr>
             <p:ph idx="2" type="sldImg"/>
@@ -1735,11 +1734,11 @@
 </file>
 
 <file path=ppt/notesSlides/notesSlide16.xml><?xml version="1.0" encoding="utf-8"?>
-<p:notes xmlns:a="http://schemas.openxmlformats.org/drawingml/2006/main" xmlns:r="http://schemas.openxmlformats.org/officeDocument/2006/relationships" xmlns:mc="http://schemas.openxmlformats.org/markup-compatibility/2006" xmlns:mv="urn:schemas-microsoft-com:mac:vml" xmlns:p="http://schemas.openxmlformats.org/presentationml/2006/main" xmlns:c="http://schemas.openxmlformats.org/drawingml/2006/chart" xmlns:dgm="http://schemas.openxmlformats.org/drawingml/2006/diagram" xmlns:o="urn:schemas-microsoft-com:office:office" xmlns:v="urn:schemas-microsoft-com:vml" xmlns:pvml="urn:schemas-microsoft-com:office:powerpoint" xmlns:com="http://schemas.openxmlformats.org/drawingml/2006/compatibility" xmlns:p14="http://schemas.microsoft.com/office/powerpoint/2010/main" xmlns:p15="http://schemas.microsoft.com/office/powerpoint/2012/main" showMasterPhAnim="0" showMasterSp="0">
+<p:notes xmlns:a="http://schemas.openxmlformats.org/drawingml/2006/main" xmlns:r="http://schemas.openxmlformats.org/officeDocument/2006/relationships" xmlns:mc="http://schemas.openxmlformats.org/markup-compatibility/2006" xmlns:mv="urn:schemas-microsoft-com:mac:vml" xmlns:p="http://schemas.openxmlformats.org/presentationml/2006/main" xmlns:c="http://schemas.openxmlformats.org/drawingml/2006/chart" xmlns:dgm="http://schemas.openxmlformats.org/drawingml/2006/diagram" xmlns:o="urn:schemas-microsoft-com:office:office" xmlns:v="urn:schemas-microsoft-com:vml" xmlns:pvml="urn:schemas-microsoft-com:office:powerpoint" xmlns:com="http://schemas.openxmlformats.org/drawingml/2006/compatibility" xmlns:p14="http://schemas.microsoft.com/office/powerpoint/2010/main" xmlns:p15="http://schemas.microsoft.com/office/powerpoint/2012/main" xmlns:ahyp="http://schemas.microsoft.com/office/drawing/2018/hyperlinkcolor" showMasterPhAnim="0" showMasterSp="0">
   <p:cSld>
     <p:spTree>
       <p:nvGrpSpPr>
-        <p:cNvPr id="259" name="Shape 259"/>
+        <p:cNvPr id="249" name="Shape 249"/>
         <p:cNvGrpSpPr/>
         <p:nvPr/>
       </p:nvGrpSpPr>
@@ -1753,7 +1752,7 @@
       </p:grpSpPr>
       <p:sp>
         <p:nvSpPr>
-          <p:cNvPr id="260" name="Google Shape;260;g75f8ec955b_1_0:notes"/>
+          <p:cNvPr id="250" name="Google Shape;250;g6c60467031_2_9:notes"/>
           <p:cNvSpPr txBox="1"/>
           <p:nvPr>
             <p:ph idx="1" type="body"/>
@@ -1800,7 +1799,7 @@
       </p:sp>
       <p:sp>
         <p:nvSpPr>
-          <p:cNvPr id="261" name="Google Shape;261;g75f8ec955b_1_0:notes"/>
+          <p:cNvPr id="251" name="Google Shape;251;g6c60467031_2_9:notes"/>
           <p:cNvSpPr/>
           <p:nvPr>
             <p:ph idx="2" type="sldImg"/>
@@ -1852,11 +1851,11 @@
 </file>
 
 <file path=ppt/notesSlides/notesSlide17.xml><?xml version="1.0" encoding="utf-8"?>
-<p:notes xmlns:a="http://schemas.openxmlformats.org/drawingml/2006/main" xmlns:r="http://schemas.openxmlformats.org/officeDocument/2006/relationships" xmlns:mc="http://schemas.openxmlformats.org/markup-compatibility/2006" xmlns:mv="urn:schemas-microsoft-com:mac:vml" xmlns:p="http://schemas.openxmlformats.org/presentationml/2006/main" xmlns:c="http://schemas.openxmlformats.org/drawingml/2006/chart" xmlns:dgm="http://schemas.openxmlformats.org/drawingml/2006/diagram" xmlns:o="urn:schemas-microsoft-com:office:office" xmlns:v="urn:schemas-microsoft-com:vml" xmlns:pvml="urn:schemas-microsoft-com:office:powerpoint" xmlns:com="http://schemas.openxmlformats.org/drawingml/2006/compatibility" xmlns:p14="http://schemas.microsoft.com/office/powerpoint/2010/main" xmlns:p15="http://schemas.microsoft.com/office/powerpoint/2012/main" showMasterPhAnim="0" showMasterSp="0">
+<p:notes xmlns:a="http://schemas.openxmlformats.org/drawingml/2006/main" xmlns:r="http://schemas.openxmlformats.org/officeDocument/2006/relationships" xmlns:mc="http://schemas.openxmlformats.org/markup-compatibility/2006" xmlns:mv="urn:schemas-microsoft-com:mac:vml" xmlns:p="http://schemas.openxmlformats.org/presentationml/2006/main" xmlns:c="http://schemas.openxmlformats.org/drawingml/2006/chart" xmlns:dgm="http://schemas.openxmlformats.org/drawingml/2006/diagram" xmlns:o="urn:schemas-microsoft-com:office:office" xmlns:v="urn:schemas-microsoft-com:vml" xmlns:pvml="urn:schemas-microsoft-com:office:powerpoint" xmlns:com="http://schemas.openxmlformats.org/drawingml/2006/compatibility" xmlns:p14="http://schemas.microsoft.com/office/powerpoint/2010/main" xmlns:p15="http://schemas.microsoft.com/office/powerpoint/2012/main" xmlns:ahyp="http://schemas.microsoft.com/office/drawing/2018/hyperlinkcolor" showMasterPhAnim="0" showMasterSp="0">
   <p:cSld>
     <p:spTree>
       <p:nvGrpSpPr>
-        <p:cNvPr id="265" name="Shape 265"/>
+        <p:cNvPr id="255" name="Shape 255"/>
         <p:cNvGrpSpPr/>
         <p:nvPr/>
       </p:nvGrpSpPr>
@@ -1870,7 +1869,7 @@
       </p:grpSpPr>
       <p:sp>
         <p:nvSpPr>
-          <p:cNvPr id="266" name="Google Shape;266;g6c60467031_2_9:notes"/>
+          <p:cNvPr id="256" name="Google Shape;256;p11:notes"/>
           <p:cNvSpPr txBox="1"/>
           <p:nvPr>
             <p:ph idx="1" type="body"/>
@@ -1917,124 +1916,7 @@
       </p:sp>
       <p:sp>
         <p:nvSpPr>
-          <p:cNvPr id="267" name="Google Shape;267;g6c60467031_2_9:notes"/>
-          <p:cNvSpPr/>
-          <p:nvPr>
-            <p:ph idx="2" type="sldImg"/>
-          </p:nvPr>
-        </p:nvSpPr>
-        <p:spPr>
-          <a:xfrm>
-            <a:off x="1143225" y="685800"/>
-            <a:ext cx="4572300" cy="3429000"/>
-          </a:xfrm>
-          <a:custGeom>
-            <a:rect b="b" l="l" r="r" t="t"/>
-            <a:pathLst>
-              <a:path extrusionOk="0" h="120000" w="120000">
-                <a:moveTo>
-                  <a:pt x="0" y="0"/>
-                </a:moveTo>
-                <a:lnTo>
-                  <a:pt x="120000" y="0"/>
-                </a:lnTo>
-                <a:lnTo>
-                  <a:pt x="120000" y="120000"/>
-                </a:lnTo>
-                <a:lnTo>
-                  <a:pt x="0" y="120000"/>
-                </a:lnTo>
-                <a:close/>
-              </a:path>
-            </a:pathLst>
-          </a:custGeom>
-          <a:noFill/>
-          <a:ln cap="flat" cmpd="sng" w="9525">
-            <a:solidFill>
-              <a:srgbClr val="000000"/>
-            </a:solidFill>
-            <a:prstDash val="solid"/>
-            <a:round/>
-            <a:headEnd len="sm" w="sm" type="none"/>
-            <a:tailEnd len="sm" w="sm" type="none"/>
-          </a:ln>
-        </p:spPr>
-      </p:sp>
-    </p:spTree>
-  </p:cSld>
-  <p:clrMapOvr>
-    <a:masterClrMapping/>
-  </p:clrMapOvr>
-</p:notes>
-</file>
-
-<file path=ppt/notesSlides/notesSlide18.xml><?xml version="1.0" encoding="utf-8"?>
-<p:notes xmlns:a="http://schemas.openxmlformats.org/drawingml/2006/main" xmlns:r="http://schemas.openxmlformats.org/officeDocument/2006/relationships" xmlns:mc="http://schemas.openxmlformats.org/markup-compatibility/2006" xmlns:mv="urn:schemas-microsoft-com:mac:vml" xmlns:p="http://schemas.openxmlformats.org/presentationml/2006/main" xmlns:c="http://schemas.openxmlformats.org/drawingml/2006/chart" xmlns:dgm="http://schemas.openxmlformats.org/drawingml/2006/diagram" xmlns:o="urn:schemas-microsoft-com:office:office" xmlns:v="urn:schemas-microsoft-com:vml" xmlns:pvml="urn:schemas-microsoft-com:office:powerpoint" xmlns:com="http://schemas.openxmlformats.org/drawingml/2006/compatibility" xmlns:p14="http://schemas.microsoft.com/office/powerpoint/2010/main" xmlns:p15="http://schemas.microsoft.com/office/powerpoint/2012/main" showMasterPhAnim="0" showMasterSp="0">
-  <p:cSld>
-    <p:spTree>
-      <p:nvGrpSpPr>
-        <p:cNvPr id="271" name="Shape 271"/>
-        <p:cNvGrpSpPr/>
-        <p:nvPr/>
-      </p:nvGrpSpPr>
-      <p:grpSpPr>
-        <a:xfrm>
-          <a:off x="0" y="0"/>
-          <a:ext cx="0" cy="0"/>
-          <a:chOff x="0" y="0"/>
-          <a:chExt cx="0" cy="0"/>
-        </a:xfrm>
-      </p:grpSpPr>
-      <p:sp>
-        <p:nvSpPr>
-          <p:cNvPr id="272" name="Google Shape;272;p11:notes"/>
-          <p:cNvSpPr txBox="1"/>
-          <p:nvPr>
-            <p:ph idx="1" type="body"/>
-          </p:nvPr>
-        </p:nvSpPr>
-        <p:spPr>
-          <a:xfrm>
-            <a:off x="685800" y="4343400"/>
-            <a:ext cx="5486400" cy="4114800"/>
-          </a:xfrm>
-          <a:prstGeom prst="rect">
-            <a:avLst/>
-          </a:prstGeom>
-          <a:noFill/>
-          <a:ln>
-            <a:noFill/>
-          </a:ln>
-        </p:spPr>
-        <p:txBody>
-          <a:bodyPr anchorCtr="0" anchor="t" bIns="91425" lIns="91425" spcFirstLastPara="1" rIns="91425" wrap="square" tIns="91425">
-            <a:noAutofit/>
-          </a:bodyPr>
-          <a:lstStyle/>
-          <a:p>
-            <a:pPr indent="0" lvl="0" marL="0" rtl="0" algn="l">
-              <a:lnSpc>
-                <a:spcPct val="100000"/>
-              </a:lnSpc>
-              <a:spcBef>
-                <a:spcPts val="0"/>
-              </a:spcBef>
-              <a:spcAft>
-                <a:spcPts val="0"/>
-              </a:spcAft>
-              <a:buSzPts val="1100"/>
-              <a:buNone/>
-            </a:pPr>
-            <a:r>
-              <a:t/>
-            </a:r>
-            <a:endParaRPr/>
-          </a:p>
-        </p:txBody>
-      </p:sp>
-      <p:sp>
-        <p:nvSpPr>
-          <p:cNvPr id="273" name="Google Shape;273;p11:notes"/>
+          <p:cNvPr id="257" name="Google Shape;257;p11:notes"/>
           <p:cNvSpPr/>
           <p:nvPr>
             <p:ph idx="2" type="sldImg"/>
@@ -2086,7 +1968,7 @@
 </file>
 
 <file path=ppt/notesSlides/notesSlide2.xml><?xml version="1.0" encoding="utf-8"?>
-<p:notes xmlns:a="http://schemas.openxmlformats.org/drawingml/2006/main" xmlns:r="http://schemas.openxmlformats.org/officeDocument/2006/relationships" xmlns:mc="http://schemas.openxmlformats.org/markup-compatibility/2006" xmlns:mv="urn:schemas-microsoft-com:mac:vml" xmlns:p="http://schemas.openxmlformats.org/presentationml/2006/main" xmlns:c="http://schemas.openxmlformats.org/drawingml/2006/chart" xmlns:dgm="http://schemas.openxmlformats.org/drawingml/2006/diagram" xmlns:o="urn:schemas-microsoft-com:office:office" xmlns:v="urn:schemas-microsoft-com:vml" xmlns:pvml="urn:schemas-microsoft-com:office:powerpoint" xmlns:com="http://schemas.openxmlformats.org/drawingml/2006/compatibility" xmlns:p14="http://schemas.microsoft.com/office/powerpoint/2010/main" xmlns:p15="http://schemas.microsoft.com/office/powerpoint/2012/main" showMasterPhAnim="0" showMasterSp="0">
+<p:notes xmlns:a="http://schemas.openxmlformats.org/drawingml/2006/main" xmlns:r="http://schemas.openxmlformats.org/officeDocument/2006/relationships" xmlns:mc="http://schemas.openxmlformats.org/markup-compatibility/2006" xmlns:mv="urn:schemas-microsoft-com:mac:vml" xmlns:p="http://schemas.openxmlformats.org/presentationml/2006/main" xmlns:c="http://schemas.openxmlformats.org/drawingml/2006/chart" xmlns:dgm="http://schemas.openxmlformats.org/drawingml/2006/diagram" xmlns:o="urn:schemas-microsoft-com:office:office" xmlns:v="urn:schemas-microsoft-com:vml" xmlns:pvml="urn:schemas-microsoft-com:office:powerpoint" xmlns:com="http://schemas.openxmlformats.org/drawingml/2006/compatibility" xmlns:p14="http://schemas.microsoft.com/office/powerpoint/2010/main" xmlns:p15="http://schemas.microsoft.com/office/powerpoint/2012/main" xmlns:ahyp="http://schemas.microsoft.com/office/drawing/2018/hyperlinkcolor" showMasterPhAnim="0" showMasterSp="0">
   <p:cSld>
     <p:spTree>
       <p:nvGrpSpPr>
@@ -2203,7 +2085,7 @@
 </file>
 
 <file path=ppt/notesSlides/notesSlide3.xml><?xml version="1.0" encoding="utf-8"?>
-<p:notes xmlns:a="http://schemas.openxmlformats.org/drawingml/2006/main" xmlns:r="http://schemas.openxmlformats.org/officeDocument/2006/relationships" xmlns:mc="http://schemas.openxmlformats.org/markup-compatibility/2006" xmlns:mv="urn:schemas-microsoft-com:mac:vml" xmlns:p="http://schemas.openxmlformats.org/presentationml/2006/main" xmlns:c="http://schemas.openxmlformats.org/drawingml/2006/chart" xmlns:dgm="http://schemas.openxmlformats.org/drawingml/2006/diagram" xmlns:o="urn:schemas-microsoft-com:office:office" xmlns:v="urn:schemas-microsoft-com:vml" xmlns:pvml="urn:schemas-microsoft-com:office:powerpoint" xmlns:com="http://schemas.openxmlformats.org/drawingml/2006/compatibility" xmlns:p14="http://schemas.microsoft.com/office/powerpoint/2010/main" xmlns:p15="http://schemas.microsoft.com/office/powerpoint/2012/main" showMasterPhAnim="0" showMasterSp="0">
+<p:notes xmlns:a="http://schemas.openxmlformats.org/drawingml/2006/main" xmlns:r="http://schemas.openxmlformats.org/officeDocument/2006/relationships" xmlns:mc="http://schemas.openxmlformats.org/markup-compatibility/2006" xmlns:mv="urn:schemas-microsoft-com:mac:vml" xmlns:p="http://schemas.openxmlformats.org/presentationml/2006/main" xmlns:c="http://schemas.openxmlformats.org/drawingml/2006/chart" xmlns:dgm="http://schemas.openxmlformats.org/drawingml/2006/diagram" xmlns:o="urn:schemas-microsoft-com:office:office" xmlns:v="urn:schemas-microsoft-com:vml" xmlns:pvml="urn:schemas-microsoft-com:office:powerpoint" xmlns:com="http://schemas.openxmlformats.org/drawingml/2006/compatibility" xmlns:p14="http://schemas.microsoft.com/office/powerpoint/2010/main" xmlns:p15="http://schemas.microsoft.com/office/powerpoint/2012/main" xmlns:ahyp="http://schemas.microsoft.com/office/drawing/2018/hyperlinkcolor" showMasterPhAnim="0" showMasterSp="0">
   <p:cSld>
     <p:spTree>
       <p:nvGrpSpPr>
@@ -2320,7 +2202,7 @@
 </file>
 
 <file path=ppt/notesSlides/notesSlide4.xml><?xml version="1.0" encoding="utf-8"?>
-<p:notes xmlns:a="http://schemas.openxmlformats.org/drawingml/2006/main" xmlns:r="http://schemas.openxmlformats.org/officeDocument/2006/relationships" xmlns:mc="http://schemas.openxmlformats.org/markup-compatibility/2006" xmlns:mv="urn:schemas-microsoft-com:mac:vml" xmlns:p="http://schemas.openxmlformats.org/presentationml/2006/main" xmlns:c="http://schemas.openxmlformats.org/drawingml/2006/chart" xmlns:dgm="http://schemas.openxmlformats.org/drawingml/2006/diagram" xmlns:o="urn:schemas-microsoft-com:office:office" xmlns:v="urn:schemas-microsoft-com:vml" xmlns:pvml="urn:schemas-microsoft-com:office:powerpoint" xmlns:com="http://schemas.openxmlformats.org/drawingml/2006/compatibility" xmlns:p14="http://schemas.microsoft.com/office/powerpoint/2010/main" xmlns:p15="http://schemas.microsoft.com/office/powerpoint/2012/main" showMasterPhAnim="0" showMasterSp="0">
+<p:notes xmlns:a="http://schemas.openxmlformats.org/drawingml/2006/main" xmlns:r="http://schemas.openxmlformats.org/officeDocument/2006/relationships" xmlns:mc="http://schemas.openxmlformats.org/markup-compatibility/2006" xmlns:mv="urn:schemas-microsoft-com:mac:vml" xmlns:p="http://schemas.openxmlformats.org/presentationml/2006/main" xmlns:c="http://schemas.openxmlformats.org/drawingml/2006/chart" xmlns:dgm="http://schemas.openxmlformats.org/drawingml/2006/diagram" xmlns:o="urn:schemas-microsoft-com:office:office" xmlns:v="urn:schemas-microsoft-com:vml" xmlns:pvml="urn:schemas-microsoft-com:office:powerpoint" xmlns:com="http://schemas.openxmlformats.org/drawingml/2006/compatibility" xmlns:p14="http://schemas.microsoft.com/office/powerpoint/2010/main" xmlns:p15="http://schemas.microsoft.com/office/powerpoint/2012/main" xmlns:ahyp="http://schemas.microsoft.com/office/drawing/2018/hyperlinkcolor" showMasterPhAnim="0" showMasterSp="0">
   <p:cSld>
     <p:spTree>
       <p:nvGrpSpPr>
@@ -2437,7 +2319,7 @@
 </file>
 
 <file path=ppt/notesSlides/notesSlide5.xml><?xml version="1.0" encoding="utf-8"?>
-<p:notes xmlns:a="http://schemas.openxmlformats.org/drawingml/2006/main" xmlns:r="http://schemas.openxmlformats.org/officeDocument/2006/relationships" xmlns:mc="http://schemas.openxmlformats.org/markup-compatibility/2006" xmlns:mv="urn:schemas-microsoft-com:mac:vml" xmlns:p="http://schemas.openxmlformats.org/presentationml/2006/main" xmlns:c="http://schemas.openxmlformats.org/drawingml/2006/chart" xmlns:dgm="http://schemas.openxmlformats.org/drawingml/2006/diagram" xmlns:o="urn:schemas-microsoft-com:office:office" xmlns:v="urn:schemas-microsoft-com:vml" xmlns:pvml="urn:schemas-microsoft-com:office:powerpoint" xmlns:com="http://schemas.openxmlformats.org/drawingml/2006/compatibility" xmlns:p14="http://schemas.microsoft.com/office/powerpoint/2010/main" xmlns:p15="http://schemas.microsoft.com/office/powerpoint/2012/main" showMasterPhAnim="0" showMasterSp="0">
+<p:notes xmlns:a="http://schemas.openxmlformats.org/drawingml/2006/main" xmlns:r="http://schemas.openxmlformats.org/officeDocument/2006/relationships" xmlns:mc="http://schemas.openxmlformats.org/markup-compatibility/2006" xmlns:mv="urn:schemas-microsoft-com:mac:vml" xmlns:p="http://schemas.openxmlformats.org/presentationml/2006/main" xmlns:c="http://schemas.openxmlformats.org/drawingml/2006/chart" xmlns:dgm="http://schemas.openxmlformats.org/drawingml/2006/diagram" xmlns:o="urn:schemas-microsoft-com:office:office" xmlns:v="urn:schemas-microsoft-com:vml" xmlns:pvml="urn:schemas-microsoft-com:office:powerpoint" xmlns:com="http://schemas.openxmlformats.org/drawingml/2006/compatibility" xmlns:p14="http://schemas.microsoft.com/office/powerpoint/2010/main" xmlns:p15="http://schemas.microsoft.com/office/powerpoint/2012/main" xmlns:ahyp="http://schemas.microsoft.com/office/drawing/2018/hyperlinkcolor" showMasterPhAnim="0" showMasterSp="0">
   <p:cSld>
     <p:spTree>
       <p:nvGrpSpPr>
@@ -2554,7 +2436,7 @@
 </file>
 
 <file path=ppt/notesSlides/notesSlide6.xml><?xml version="1.0" encoding="utf-8"?>
-<p:notes xmlns:a="http://schemas.openxmlformats.org/drawingml/2006/main" xmlns:r="http://schemas.openxmlformats.org/officeDocument/2006/relationships" xmlns:mc="http://schemas.openxmlformats.org/markup-compatibility/2006" xmlns:mv="urn:schemas-microsoft-com:mac:vml" xmlns:p="http://schemas.openxmlformats.org/presentationml/2006/main" xmlns:c="http://schemas.openxmlformats.org/drawingml/2006/chart" xmlns:dgm="http://schemas.openxmlformats.org/drawingml/2006/diagram" xmlns:o="urn:schemas-microsoft-com:office:office" xmlns:v="urn:schemas-microsoft-com:vml" xmlns:pvml="urn:schemas-microsoft-com:office:powerpoint" xmlns:com="http://schemas.openxmlformats.org/drawingml/2006/compatibility" xmlns:p14="http://schemas.microsoft.com/office/powerpoint/2010/main" xmlns:p15="http://schemas.microsoft.com/office/powerpoint/2012/main" showMasterPhAnim="0" showMasterSp="0">
+<p:notes xmlns:a="http://schemas.openxmlformats.org/drawingml/2006/main" xmlns:r="http://schemas.openxmlformats.org/officeDocument/2006/relationships" xmlns:mc="http://schemas.openxmlformats.org/markup-compatibility/2006" xmlns:mv="urn:schemas-microsoft-com:mac:vml" xmlns:p="http://schemas.openxmlformats.org/presentationml/2006/main" xmlns:c="http://schemas.openxmlformats.org/drawingml/2006/chart" xmlns:dgm="http://schemas.openxmlformats.org/drawingml/2006/diagram" xmlns:o="urn:schemas-microsoft-com:office:office" xmlns:v="urn:schemas-microsoft-com:vml" xmlns:pvml="urn:schemas-microsoft-com:office:powerpoint" xmlns:com="http://schemas.openxmlformats.org/drawingml/2006/compatibility" xmlns:p14="http://schemas.microsoft.com/office/powerpoint/2010/main" xmlns:p15="http://schemas.microsoft.com/office/powerpoint/2012/main" xmlns:ahyp="http://schemas.microsoft.com/office/drawing/2018/hyperlinkcolor" showMasterPhAnim="0" showMasterSp="0">
   <p:cSld>
     <p:spTree>
       <p:nvGrpSpPr>
@@ -2671,7 +2553,7 @@
 </file>
 
 <file path=ppt/notesSlides/notesSlide7.xml><?xml version="1.0" encoding="utf-8"?>
-<p:notes xmlns:a="http://schemas.openxmlformats.org/drawingml/2006/main" xmlns:r="http://schemas.openxmlformats.org/officeDocument/2006/relationships" xmlns:mc="http://schemas.openxmlformats.org/markup-compatibility/2006" xmlns:mv="urn:schemas-microsoft-com:mac:vml" xmlns:p="http://schemas.openxmlformats.org/presentationml/2006/main" xmlns:c="http://schemas.openxmlformats.org/drawingml/2006/chart" xmlns:dgm="http://schemas.openxmlformats.org/drawingml/2006/diagram" xmlns:o="urn:schemas-microsoft-com:office:office" xmlns:v="urn:schemas-microsoft-com:vml" xmlns:pvml="urn:schemas-microsoft-com:office:powerpoint" xmlns:com="http://schemas.openxmlformats.org/drawingml/2006/compatibility" xmlns:p14="http://schemas.microsoft.com/office/powerpoint/2010/main" xmlns:p15="http://schemas.microsoft.com/office/powerpoint/2012/main" showMasterPhAnim="0" showMasterSp="0">
+<p:notes xmlns:a="http://schemas.openxmlformats.org/drawingml/2006/main" xmlns:r="http://schemas.openxmlformats.org/officeDocument/2006/relationships" xmlns:mc="http://schemas.openxmlformats.org/markup-compatibility/2006" xmlns:mv="urn:schemas-microsoft-com:mac:vml" xmlns:p="http://schemas.openxmlformats.org/presentationml/2006/main" xmlns:c="http://schemas.openxmlformats.org/drawingml/2006/chart" xmlns:dgm="http://schemas.openxmlformats.org/drawingml/2006/diagram" xmlns:o="urn:schemas-microsoft-com:office:office" xmlns:v="urn:schemas-microsoft-com:vml" xmlns:pvml="urn:schemas-microsoft-com:office:powerpoint" xmlns:com="http://schemas.openxmlformats.org/drawingml/2006/compatibility" xmlns:p14="http://schemas.microsoft.com/office/powerpoint/2010/main" xmlns:p15="http://schemas.microsoft.com/office/powerpoint/2012/main" xmlns:ahyp="http://schemas.microsoft.com/office/drawing/2018/hyperlinkcolor" showMasterPhAnim="0" showMasterSp="0">
   <p:cSld>
     <p:spTree>
       <p:nvGrpSpPr>
@@ -2788,7 +2670,7 @@
 </file>
 
 <file path=ppt/notesSlides/notesSlide8.xml><?xml version="1.0" encoding="utf-8"?>
-<p:notes xmlns:a="http://schemas.openxmlformats.org/drawingml/2006/main" xmlns:r="http://schemas.openxmlformats.org/officeDocument/2006/relationships" xmlns:mc="http://schemas.openxmlformats.org/markup-compatibility/2006" xmlns:mv="urn:schemas-microsoft-com:mac:vml" xmlns:p="http://schemas.openxmlformats.org/presentationml/2006/main" xmlns:c="http://schemas.openxmlformats.org/drawingml/2006/chart" xmlns:dgm="http://schemas.openxmlformats.org/drawingml/2006/diagram" xmlns:o="urn:schemas-microsoft-com:office:office" xmlns:v="urn:schemas-microsoft-com:vml" xmlns:pvml="urn:schemas-microsoft-com:office:powerpoint" xmlns:com="http://schemas.openxmlformats.org/drawingml/2006/compatibility" xmlns:p14="http://schemas.microsoft.com/office/powerpoint/2010/main" xmlns:p15="http://schemas.microsoft.com/office/powerpoint/2012/main" showMasterPhAnim="0" showMasterSp="0">
+<p:notes xmlns:a="http://schemas.openxmlformats.org/drawingml/2006/main" xmlns:r="http://schemas.openxmlformats.org/officeDocument/2006/relationships" xmlns:mc="http://schemas.openxmlformats.org/markup-compatibility/2006" xmlns:mv="urn:schemas-microsoft-com:mac:vml" xmlns:p="http://schemas.openxmlformats.org/presentationml/2006/main" xmlns:c="http://schemas.openxmlformats.org/drawingml/2006/chart" xmlns:dgm="http://schemas.openxmlformats.org/drawingml/2006/diagram" xmlns:o="urn:schemas-microsoft-com:office:office" xmlns:v="urn:schemas-microsoft-com:vml" xmlns:pvml="urn:schemas-microsoft-com:office:powerpoint" xmlns:com="http://schemas.openxmlformats.org/drawingml/2006/compatibility" xmlns:p14="http://schemas.microsoft.com/office/powerpoint/2010/main" xmlns:p15="http://schemas.microsoft.com/office/powerpoint/2012/main" xmlns:ahyp="http://schemas.microsoft.com/office/drawing/2018/hyperlinkcolor" showMasterPhAnim="0" showMasterSp="0">
   <p:cSld>
     <p:spTree>
       <p:nvGrpSpPr>
@@ -2905,7 +2787,7 @@
 </file>
 
 <file path=ppt/notesSlides/notesSlide9.xml><?xml version="1.0" encoding="utf-8"?>
-<p:notes xmlns:a="http://schemas.openxmlformats.org/drawingml/2006/main" xmlns:r="http://schemas.openxmlformats.org/officeDocument/2006/relationships" xmlns:mc="http://schemas.openxmlformats.org/markup-compatibility/2006" xmlns:mv="urn:schemas-microsoft-com:mac:vml" xmlns:p="http://schemas.openxmlformats.org/presentationml/2006/main" xmlns:c="http://schemas.openxmlformats.org/drawingml/2006/chart" xmlns:dgm="http://schemas.openxmlformats.org/drawingml/2006/diagram" xmlns:o="urn:schemas-microsoft-com:office:office" xmlns:v="urn:schemas-microsoft-com:vml" xmlns:pvml="urn:schemas-microsoft-com:office:powerpoint" xmlns:com="http://schemas.openxmlformats.org/drawingml/2006/compatibility" xmlns:p14="http://schemas.microsoft.com/office/powerpoint/2010/main" xmlns:p15="http://schemas.microsoft.com/office/powerpoint/2012/main" showMasterPhAnim="0" showMasterSp="0">
+<p:notes xmlns:a="http://schemas.openxmlformats.org/drawingml/2006/main" xmlns:r="http://schemas.openxmlformats.org/officeDocument/2006/relationships" xmlns:mc="http://schemas.openxmlformats.org/markup-compatibility/2006" xmlns:mv="urn:schemas-microsoft-com:mac:vml" xmlns:p="http://schemas.openxmlformats.org/presentationml/2006/main" xmlns:c="http://schemas.openxmlformats.org/drawingml/2006/chart" xmlns:dgm="http://schemas.openxmlformats.org/drawingml/2006/diagram" xmlns:o="urn:schemas-microsoft-com:office:office" xmlns:v="urn:schemas-microsoft-com:vml" xmlns:pvml="urn:schemas-microsoft-com:office:powerpoint" xmlns:com="http://schemas.openxmlformats.org/drawingml/2006/compatibility" xmlns:p14="http://schemas.microsoft.com/office/powerpoint/2010/main" xmlns:p15="http://schemas.microsoft.com/office/powerpoint/2012/main" xmlns:ahyp="http://schemas.microsoft.com/office/drawing/2018/hyperlinkcolor" showMasterPhAnim="0" showMasterSp="0">
   <p:cSld>
     <p:spTree>
       <p:nvGrpSpPr>
@@ -3022,7 +2904,7 @@
 </file>
 
 <file path=ppt/slideLayouts/slideLayout1.xml><?xml version="1.0" encoding="utf-8"?>
-<p:sldLayout xmlns:a="http://schemas.openxmlformats.org/drawingml/2006/main" xmlns:r="http://schemas.openxmlformats.org/officeDocument/2006/relationships" xmlns:mc="http://schemas.openxmlformats.org/markup-compatibility/2006" xmlns:mv="urn:schemas-microsoft-com:mac:vml" xmlns:p="http://schemas.openxmlformats.org/presentationml/2006/main" xmlns:c="http://schemas.openxmlformats.org/drawingml/2006/chart" xmlns:dgm="http://schemas.openxmlformats.org/drawingml/2006/diagram" xmlns:o="urn:schemas-microsoft-com:office:office" xmlns:v="urn:schemas-microsoft-com:vml" xmlns:pvml="urn:schemas-microsoft-com:office:powerpoint" xmlns:com="http://schemas.openxmlformats.org/drawingml/2006/compatibility" xmlns:p14="http://schemas.microsoft.com/office/powerpoint/2010/main" xmlns:p15="http://schemas.microsoft.com/office/powerpoint/2012/main" matchingName="Portada">
+<p:sldLayout xmlns:a="http://schemas.openxmlformats.org/drawingml/2006/main" xmlns:r="http://schemas.openxmlformats.org/officeDocument/2006/relationships" xmlns:mc="http://schemas.openxmlformats.org/markup-compatibility/2006" xmlns:mv="urn:schemas-microsoft-com:mac:vml" xmlns:p="http://schemas.openxmlformats.org/presentationml/2006/main" xmlns:c="http://schemas.openxmlformats.org/drawingml/2006/chart" xmlns:dgm="http://schemas.openxmlformats.org/drawingml/2006/diagram" xmlns:o="urn:schemas-microsoft-com:office:office" xmlns:v="urn:schemas-microsoft-com:vml" xmlns:pvml="urn:schemas-microsoft-com:office:powerpoint" xmlns:com="http://schemas.openxmlformats.org/drawingml/2006/compatibility" xmlns:p14="http://schemas.microsoft.com/office/powerpoint/2010/main" xmlns:p15="http://schemas.microsoft.com/office/powerpoint/2012/main" xmlns:ahyp="http://schemas.microsoft.com/office/drawing/2018/hyperlinkcolor" matchingName="Portada">
   <p:cSld name="Portada">
     <p:spTree>
       <p:nvGrpSpPr>
@@ -3746,7 +3628,7 @@
 </file>
 
 <file path=ppt/slideLayouts/slideLayout10.xml><?xml version="1.0" encoding="utf-8"?>
-<p:sldLayout xmlns:a="http://schemas.openxmlformats.org/drawingml/2006/main" xmlns:r="http://schemas.openxmlformats.org/officeDocument/2006/relationships" xmlns:mc="http://schemas.openxmlformats.org/markup-compatibility/2006" xmlns:mv="urn:schemas-microsoft-com:mac:vml" xmlns:p="http://schemas.openxmlformats.org/presentationml/2006/main" xmlns:c="http://schemas.openxmlformats.org/drawingml/2006/chart" xmlns:dgm="http://schemas.openxmlformats.org/drawingml/2006/diagram" xmlns:o="urn:schemas-microsoft-com:office:office" xmlns:v="urn:schemas-microsoft-com:vml" xmlns:pvml="urn:schemas-microsoft-com:office:powerpoint" xmlns:com="http://schemas.openxmlformats.org/drawingml/2006/compatibility" xmlns:p14="http://schemas.microsoft.com/office/powerpoint/2010/main" xmlns:p15="http://schemas.microsoft.com/office/powerpoint/2012/main" matchingName="Industrial 2">
+<p:sldLayout xmlns:a="http://schemas.openxmlformats.org/drawingml/2006/main" xmlns:r="http://schemas.openxmlformats.org/officeDocument/2006/relationships" xmlns:mc="http://schemas.openxmlformats.org/markup-compatibility/2006" xmlns:mv="urn:schemas-microsoft-com:mac:vml" xmlns:p="http://schemas.openxmlformats.org/presentationml/2006/main" xmlns:c="http://schemas.openxmlformats.org/drawingml/2006/chart" xmlns:dgm="http://schemas.openxmlformats.org/drawingml/2006/diagram" xmlns:o="urn:schemas-microsoft-com:office:office" xmlns:v="urn:schemas-microsoft-com:vml" xmlns:pvml="urn:schemas-microsoft-com:office:powerpoint" xmlns:com="http://schemas.openxmlformats.org/drawingml/2006/compatibility" xmlns:p14="http://schemas.microsoft.com/office/powerpoint/2010/main" xmlns:p15="http://schemas.microsoft.com/office/powerpoint/2012/main" xmlns:ahyp="http://schemas.microsoft.com/office/drawing/2018/hyperlinkcolor" matchingName="Industrial 2">
   <p:cSld name="Industrial 2">
     <p:spTree>
       <p:nvGrpSpPr>
@@ -3819,7 +3701,7 @@
             </a:prstGeom>
             <a:solidFill>
               <a:srgbClr val="080808">
-                <a:alpha val="38431"/>
+                <a:alpha val="38039"/>
               </a:srgbClr>
             </a:solidFill>
             <a:ln cap="flat" cmpd="sng" w="9525">
@@ -3834,7 +3716,7 @@
             <a:effectLst>
               <a:outerShdw blurRad="40000" rotWithShape="0" dir="5400000" dist="23000">
                 <a:srgbClr val="000000">
-                  <a:alpha val="34509"/>
+                  <a:alpha val="34117"/>
                 </a:srgbClr>
               </a:outerShdw>
             </a:effectLst>
@@ -3914,7 +3796,7 @@
             <a:blip r:embed="rId4">
               <a:alphaModFix/>
             </a:blip>
-            <a:srcRect b="0" l="0" r="17370" t="14312"/>
+            <a:srcRect b="0" l="0" r="17369" t="14312"/>
             <a:stretch/>
           </p:blipFill>
           <p:spPr>
@@ -4616,7 +4498,7 @@
 </file>
 
 <file path=ppt/slideLayouts/slideLayout11.xml><?xml version="1.0" encoding="utf-8"?>
-<p:sldLayout xmlns:a="http://schemas.openxmlformats.org/drawingml/2006/main" xmlns:r="http://schemas.openxmlformats.org/officeDocument/2006/relationships" xmlns:mc="http://schemas.openxmlformats.org/markup-compatibility/2006" xmlns:mv="urn:schemas-microsoft-com:mac:vml" xmlns:p="http://schemas.openxmlformats.org/presentationml/2006/main" xmlns:c="http://schemas.openxmlformats.org/drawingml/2006/chart" xmlns:dgm="http://schemas.openxmlformats.org/drawingml/2006/diagram" xmlns:o="urn:schemas-microsoft-com:office:office" xmlns:v="urn:schemas-microsoft-com:vml" xmlns:pvml="urn:schemas-microsoft-com:office:powerpoint" xmlns:com="http://schemas.openxmlformats.org/drawingml/2006/compatibility" xmlns:p14="http://schemas.microsoft.com/office/powerpoint/2010/main" xmlns:p15="http://schemas.microsoft.com/office/powerpoint/2012/main" matchingName="Infraestructura">
+<p:sldLayout xmlns:a="http://schemas.openxmlformats.org/drawingml/2006/main" xmlns:r="http://schemas.openxmlformats.org/officeDocument/2006/relationships" xmlns:mc="http://schemas.openxmlformats.org/markup-compatibility/2006" xmlns:mv="urn:schemas-microsoft-com:mac:vml" xmlns:p="http://schemas.openxmlformats.org/presentationml/2006/main" xmlns:c="http://schemas.openxmlformats.org/drawingml/2006/chart" xmlns:dgm="http://schemas.openxmlformats.org/drawingml/2006/diagram" xmlns:o="urn:schemas-microsoft-com:office:office" xmlns:v="urn:schemas-microsoft-com:vml" xmlns:pvml="urn:schemas-microsoft-com:office:powerpoint" xmlns:com="http://schemas.openxmlformats.org/drawingml/2006/compatibility" xmlns:p14="http://schemas.microsoft.com/office/powerpoint/2010/main" xmlns:p15="http://schemas.microsoft.com/office/powerpoint/2012/main" xmlns:ahyp="http://schemas.microsoft.com/office/drawing/2018/hyperlinkcolor" matchingName="Infraestructura">
   <p:cSld name="Infraestructura">
     <p:spTree>
       <p:nvGrpSpPr>
@@ -5266,7 +5148,7 @@
           </a:prstGeom>
           <a:solidFill>
             <a:srgbClr val="080808">
-              <a:alpha val="38431"/>
+              <a:alpha val="38039"/>
             </a:srgbClr>
           </a:solidFill>
           <a:ln cap="flat" cmpd="sng" w="9525">
@@ -5281,7 +5163,7 @@
           <a:effectLst>
             <a:outerShdw blurRad="40000" rotWithShape="0" dir="5400000" dist="23000">
               <a:srgbClr val="000000">
-                <a:alpha val="34509"/>
+                <a:alpha val="34117"/>
               </a:srgbClr>
             </a:outerShdw>
           </a:effectLst>
@@ -5471,7 +5353,7 @@
 </file>
 
 <file path=ppt/slideLayouts/slideLayout12.xml><?xml version="1.0" encoding="utf-8"?>
-<p:sldLayout xmlns:a="http://schemas.openxmlformats.org/drawingml/2006/main" xmlns:r="http://schemas.openxmlformats.org/officeDocument/2006/relationships" xmlns:mc="http://schemas.openxmlformats.org/markup-compatibility/2006" xmlns:mv="urn:schemas-microsoft-com:mac:vml" xmlns:p="http://schemas.openxmlformats.org/presentationml/2006/main" xmlns:c="http://schemas.openxmlformats.org/drawingml/2006/chart" xmlns:dgm="http://schemas.openxmlformats.org/drawingml/2006/diagram" xmlns:o="urn:schemas-microsoft-com:office:office" xmlns:v="urn:schemas-microsoft-com:vml" xmlns:pvml="urn:schemas-microsoft-com:office:powerpoint" xmlns:com="http://schemas.openxmlformats.org/drawingml/2006/compatibility" xmlns:p14="http://schemas.microsoft.com/office/powerpoint/2010/main" xmlns:p15="http://schemas.microsoft.com/office/powerpoint/2012/main" matchingName="Agro">
+<p:sldLayout xmlns:a="http://schemas.openxmlformats.org/drawingml/2006/main" xmlns:r="http://schemas.openxmlformats.org/officeDocument/2006/relationships" xmlns:mc="http://schemas.openxmlformats.org/markup-compatibility/2006" xmlns:mv="urn:schemas-microsoft-com:mac:vml" xmlns:p="http://schemas.openxmlformats.org/presentationml/2006/main" xmlns:c="http://schemas.openxmlformats.org/drawingml/2006/chart" xmlns:dgm="http://schemas.openxmlformats.org/drawingml/2006/diagram" xmlns:o="urn:schemas-microsoft-com:office:office" xmlns:v="urn:schemas-microsoft-com:vml" xmlns:pvml="urn:schemas-microsoft-com:office:powerpoint" xmlns:com="http://schemas.openxmlformats.org/drawingml/2006/compatibility" xmlns:p14="http://schemas.microsoft.com/office/powerpoint/2010/main" xmlns:p15="http://schemas.microsoft.com/office/powerpoint/2012/main" xmlns:ahyp="http://schemas.microsoft.com/office/drawing/2018/hyperlinkcolor" matchingName="Agro">
   <p:cSld name="Agro">
     <p:spTree>
       <p:nvGrpSpPr>
@@ -6121,7 +6003,7 @@
           </a:prstGeom>
           <a:solidFill>
             <a:srgbClr val="080808">
-              <a:alpha val="38431"/>
+              <a:alpha val="38039"/>
             </a:srgbClr>
           </a:solidFill>
           <a:ln>
@@ -6130,7 +6012,7 @@
           <a:effectLst>
             <a:outerShdw blurRad="40000" rotWithShape="0" dir="5400000" dist="23000">
               <a:srgbClr val="000000">
-                <a:alpha val="34509"/>
+                <a:alpha val="34117"/>
               </a:srgbClr>
             </a:outerShdw>
           </a:effectLst>
@@ -6320,7 +6202,7 @@
 </file>
 
 <file path=ppt/slideLayouts/slideLayout2.xml><?xml version="1.0" encoding="utf-8"?>
-<p:sldLayout xmlns:a="http://schemas.openxmlformats.org/drawingml/2006/main" xmlns:r="http://schemas.openxmlformats.org/officeDocument/2006/relationships" xmlns:mc="http://schemas.openxmlformats.org/markup-compatibility/2006" xmlns:mv="urn:schemas-microsoft-com:mac:vml" xmlns:p="http://schemas.openxmlformats.org/presentationml/2006/main" xmlns:c="http://schemas.openxmlformats.org/drawingml/2006/chart" xmlns:dgm="http://schemas.openxmlformats.org/drawingml/2006/diagram" xmlns:o="urn:schemas-microsoft-com:office:office" xmlns:v="urn:schemas-microsoft-com:vml" xmlns:pvml="urn:schemas-microsoft-com:office:powerpoint" xmlns:com="http://schemas.openxmlformats.org/drawingml/2006/compatibility" xmlns:p14="http://schemas.microsoft.com/office/powerpoint/2010/main" xmlns:p15="http://schemas.microsoft.com/office/powerpoint/2012/main" matchingName="Formación">
+<p:sldLayout xmlns:a="http://schemas.openxmlformats.org/drawingml/2006/main" xmlns:r="http://schemas.openxmlformats.org/officeDocument/2006/relationships" xmlns:mc="http://schemas.openxmlformats.org/markup-compatibility/2006" xmlns:mv="urn:schemas-microsoft-com:mac:vml" xmlns:p="http://schemas.openxmlformats.org/presentationml/2006/main" xmlns:c="http://schemas.openxmlformats.org/drawingml/2006/chart" xmlns:dgm="http://schemas.openxmlformats.org/drawingml/2006/diagram" xmlns:o="urn:schemas-microsoft-com:office:office" xmlns:v="urn:schemas-microsoft-com:vml" xmlns:pvml="urn:schemas-microsoft-com:office:powerpoint" xmlns:com="http://schemas.openxmlformats.org/drawingml/2006/compatibility" xmlns:p14="http://schemas.microsoft.com/office/powerpoint/2010/main" xmlns:p15="http://schemas.microsoft.com/office/powerpoint/2012/main" xmlns:ahyp="http://schemas.microsoft.com/office/drawing/2018/hyperlinkcolor" matchingName="Formación">
   <p:cSld name="Formación">
     <p:spTree>
       <p:nvGrpSpPr>
@@ -6393,7 +6275,7 @@
             </a:prstGeom>
             <a:solidFill>
               <a:srgbClr val="080808">
-                <a:alpha val="38431"/>
+                <a:alpha val="38039"/>
               </a:srgbClr>
             </a:solidFill>
             <a:ln cap="flat" cmpd="sng" w="9525">
@@ -6408,7 +6290,7 @@
             <a:effectLst>
               <a:outerShdw blurRad="40000" rotWithShape="0" dir="5400000" dist="23000">
                 <a:srgbClr val="000000">
-                  <a:alpha val="34509"/>
+                  <a:alpha val="34117"/>
                 </a:srgbClr>
               </a:outerShdw>
             </a:effectLst>
@@ -6488,7 +6370,7 @@
             <a:blip r:embed="rId4">
               <a:alphaModFix/>
             </a:blip>
-            <a:srcRect b="0" l="0" r="17370" t="14312"/>
+            <a:srcRect b="0" l="0" r="17369" t="14312"/>
             <a:stretch/>
           </p:blipFill>
           <p:spPr>
@@ -7190,7 +7072,7 @@
 </file>
 
 <file path=ppt/slideLayouts/slideLayout3.xml><?xml version="1.0" encoding="utf-8"?>
-<p:sldLayout xmlns:a="http://schemas.openxmlformats.org/drawingml/2006/main" xmlns:r="http://schemas.openxmlformats.org/officeDocument/2006/relationships" xmlns:mc="http://schemas.openxmlformats.org/markup-compatibility/2006" xmlns:mv="urn:schemas-microsoft-com:mac:vml" xmlns:p="http://schemas.openxmlformats.org/presentationml/2006/main" xmlns:c="http://schemas.openxmlformats.org/drawingml/2006/chart" xmlns:dgm="http://schemas.openxmlformats.org/drawingml/2006/diagram" xmlns:o="urn:schemas-microsoft-com:office:office" xmlns:v="urn:schemas-microsoft-com:vml" xmlns:pvml="urn:schemas-microsoft-com:office:powerpoint" xmlns:com="http://schemas.openxmlformats.org/drawingml/2006/compatibility" xmlns:p14="http://schemas.microsoft.com/office/powerpoint/2010/main" xmlns:p15="http://schemas.microsoft.com/office/powerpoint/2012/main" matchingName="Título y objetos">
+<p:sldLayout xmlns:a="http://schemas.openxmlformats.org/drawingml/2006/main" xmlns:r="http://schemas.openxmlformats.org/officeDocument/2006/relationships" xmlns:mc="http://schemas.openxmlformats.org/markup-compatibility/2006" xmlns:mv="urn:schemas-microsoft-com:mac:vml" xmlns:p="http://schemas.openxmlformats.org/presentationml/2006/main" xmlns:c="http://schemas.openxmlformats.org/drawingml/2006/chart" xmlns:dgm="http://schemas.openxmlformats.org/drawingml/2006/diagram" xmlns:o="urn:schemas-microsoft-com:office:office" xmlns:v="urn:schemas-microsoft-com:vml" xmlns:pvml="urn:schemas-microsoft-com:office:powerpoint" xmlns:com="http://schemas.openxmlformats.org/drawingml/2006/compatibility" xmlns:p14="http://schemas.microsoft.com/office/powerpoint/2010/main" xmlns:p15="http://schemas.microsoft.com/office/powerpoint/2012/main" xmlns:ahyp="http://schemas.microsoft.com/office/drawing/2018/hyperlinkcolor" matchingName="Título y objetos">
   <p:cSld name="Título y objetos">
     <p:spTree>
       <p:nvGrpSpPr>
@@ -7983,7 +7865,7 @@
 </file>
 
 <file path=ppt/slideLayouts/slideLayout4.xml><?xml version="1.0" encoding="utf-8"?>
-<p:sldLayout xmlns:a="http://schemas.openxmlformats.org/drawingml/2006/main" xmlns:r="http://schemas.openxmlformats.org/officeDocument/2006/relationships" xmlns:mc="http://schemas.openxmlformats.org/markup-compatibility/2006" xmlns:mv="urn:schemas-microsoft-com:mac:vml" xmlns:p="http://schemas.openxmlformats.org/presentationml/2006/main" xmlns:c="http://schemas.openxmlformats.org/drawingml/2006/chart" xmlns:dgm="http://schemas.openxmlformats.org/drawingml/2006/diagram" xmlns:o="urn:schemas-microsoft-com:office:office" xmlns:v="urn:schemas-microsoft-com:vml" xmlns:pvml="urn:schemas-microsoft-com:office:powerpoint" xmlns:com="http://schemas.openxmlformats.org/drawingml/2006/compatibility" xmlns:p14="http://schemas.microsoft.com/office/powerpoint/2010/main" xmlns:p15="http://schemas.microsoft.com/office/powerpoint/2012/main" matchingName="1_Título y objetos">
+<p:sldLayout xmlns:a="http://schemas.openxmlformats.org/drawingml/2006/main" xmlns:r="http://schemas.openxmlformats.org/officeDocument/2006/relationships" xmlns:mc="http://schemas.openxmlformats.org/markup-compatibility/2006" xmlns:mv="urn:schemas-microsoft-com:mac:vml" xmlns:p="http://schemas.openxmlformats.org/presentationml/2006/main" xmlns:c="http://schemas.openxmlformats.org/drawingml/2006/chart" xmlns:dgm="http://schemas.openxmlformats.org/drawingml/2006/diagram" xmlns:o="urn:schemas-microsoft-com:office:office" xmlns:v="urn:schemas-microsoft-com:vml" xmlns:pvml="urn:schemas-microsoft-com:office:powerpoint" xmlns:com="http://schemas.openxmlformats.org/drawingml/2006/compatibility" xmlns:p14="http://schemas.microsoft.com/office/powerpoint/2010/main" xmlns:p15="http://schemas.microsoft.com/office/powerpoint/2012/main" xmlns:ahyp="http://schemas.microsoft.com/office/drawing/2018/hyperlinkcolor" matchingName="1_Título y objetos">
   <p:cSld name="1_Título y objetos">
     <p:spTree>
       <p:nvGrpSpPr>
@@ -8776,7 +8658,7 @@
 </file>
 
 <file path=ppt/slideLayouts/slideLayout5.xml><?xml version="1.0" encoding="utf-8"?>
-<p:sldLayout xmlns:a="http://schemas.openxmlformats.org/drawingml/2006/main" xmlns:r="http://schemas.openxmlformats.org/officeDocument/2006/relationships" xmlns:mc="http://schemas.openxmlformats.org/markup-compatibility/2006" xmlns:mv="urn:schemas-microsoft-com:mac:vml" xmlns:p="http://schemas.openxmlformats.org/presentationml/2006/main" xmlns:c="http://schemas.openxmlformats.org/drawingml/2006/chart" xmlns:dgm="http://schemas.openxmlformats.org/drawingml/2006/diagram" xmlns:o="urn:schemas-microsoft-com:office:office" xmlns:v="urn:schemas-microsoft-com:vml" xmlns:pvml="urn:schemas-microsoft-com:office:powerpoint" xmlns:com="http://schemas.openxmlformats.org/drawingml/2006/compatibility" xmlns:p14="http://schemas.microsoft.com/office/powerpoint/2010/main" xmlns:p15="http://schemas.microsoft.com/office/powerpoint/2012/main" matchingName="Empleo">
+<p:sldLayout xmlns:a="http://schemas.openxmlformats.org/drawingml/2006/main" xmlns:r="http://schemas.openxmlformats.org/officeDocument/2006/relationships" xmlns:mc="http://schemas.openxmlformats.org/markup-compatibility/2006" xmlns:mv="urn:schemas-microsoft-com:mac:vml" xmlns:p="http://schemas.openxmlformats.org/presentationml/2006/main" xmlns:c="http://schemas.openxmlformats.org/drawingml/2006/chart" xmlns:dgm="http://schemas.openxmlformats.org/drawingml/2006/diagram" xmlns:o="urn:schemas-microsoft-com:office:office" xmlns:v="urn:schemas-microsoft-com:vml" xmlns:pvml="urn:schemas-microsoft-com:office:powerpoint" xmlns:com="http://schemas.openxmlformats.org/drawingml/2006/compatibility" xmlns:p14="http://schemas.microsoft.com/office/powerpoint/2010/main" xmlns:p15="http://schemas.microsoft.com/office/powerpoint/2012/main" xmlns:ahyp="http://schemas.microsoft.com/office/drawing/2018/hyperlinkcolor" matchingName="Empleo">
   <p:cSld name="Empleo">
     <p:spTree>
       <p:nvGrpSpPr>
@@ -9440,7 +9322,7 @@
             </a:prstGeom>
             <a:solidFill>
               <a:srgbClr val="080808">
-                <a:alpha val="38431"/>
+                <a:alpha val="38039"/>
               </a:srgbClr>
             </a:solidFill>
             <a:ln cap="flat" cmpd="sng" w="9525">
@@ -9455,7 +9337,7 @@
             <a:effectLst>
               <a:outerShdw blurRad="40000" rotWithShape="0" dir="5400000" dist="23000">
                 <a:srgbClr val="000000">
-                  <a:alpha val="34509"/>
+                  <a:alpha val="34117"/>
                 </a:srgbClr>
               </a:outerShdw>
             </a:effectLst>
@@ -9646,7 +9528,7 @@
 </file>
 
 <file path=ppt/slideLayouts/slideLayout6.xml><?xml version="1.0" encoding="utf-8"?>
-<p:sldLayout xmlns:a="http://schemas.openxmlformats.org/drawingml/2006/main" xmlns:r="http://schemas.openxmlformats.org/officeDocument/2006/relationships" xmlns:mc="http://schemas.openxmlformats.org/markup-compatibility/2006" xmlns:mv="urn:schemas-microsoft-com:mac:vml" xmlns:p="http://schemas.openxmlformats.org/presentationml/2006/main" xmlns:c="http://schemas.openxmlformats.org/drawingml/2006/chart" xmlns:dgm="http://schemas.openxmlformats.org/drawingml/2006/diagram" xmlns:o="urn:schemas-microsoft-com:office:office" xmlns:v="urn:schemas-microsoft-com:vml" xmlns:pvml="urn:schemas-microsoft-com:office:powerpoint" xmlns:com="http://schemas.openxmlformats.org/drawingml/2006/compatibility" xmlns:p14="http://schemas.microsoft.com/office/powerpoint/2010/main" xmlns:p15="http://schemas.microsoft.com/office/powerpoint/2012/main" matchingName="Emprendimiento">
+<p:sldLayout xmlns:a="http://schemas.openxmlformats.org/drawingml/2006/main" xmlns:r="http://schemas.openxmlformats.org/officeDocument/2006/relationships" xmlns:mc="http://schemas.openxmlformats.org/markup-compatibility/2006" xmlns:mv="urn:schemas-microsoft-com:mac:vml" xmlns:p="http://schemas.openxmlformats.org/presentationml/2006/main" xmlns:c="http://schemas.openxmlformats.org/drawingml/2006/chart" xmlns:dgm="http://schemas.openxmlformats.org/drawingml/2006/diagram" xmlns:o="urn:schemas-microsoft-com:office:office" xmlns:v="urn:schemas-microsoft-com:vml" xmlns:pvml="urn:schemas-microsoft-com:office:powerpoint" xmlns:com="http://schemas.openxmlformats.org/drawingml/2006/compatibility" xmlns:p14="http://schemas.microsoft.com/office/powerpoint/2010/main" xmlns:p15="http://schemas.microsoft.com/office/powerpoint/2012/main" xmlns:ahyp="http://schemas.microsoft.com/office/drawing/2018/hyperlinkcolor" matchingName="Emprendimiento">
   <p:cSld name="Emprendimiento">
     <p:spTree>
       <p:nvGrpSpPr>
@@ -10296,7 +10178,7 @@
           </a:prstGeom>
           <a:solidFill>
             <a:srgbClr val="080808">
-              <a:alpha val="38431"/>
+              <a:alpha val="38039"/>
             </a:srgbClr>
           </a:solidFill>
           <a:ln>
@@ -10305,7 +10187,7 @@
           <a:effectLst>
             <a:outerShdw blurRad="40000" rotWithShape="0" dir="5400000" dist="23000">
               <a:srgbClr val="000000">
-                <a:alpha val="34509"/>
+                <a:alpha val="34117"/>
               </a:srgbClr>
             </a:outerShdw>
           </a:effectLst>
@@ -10495,7 +10377,7 @@
 </file>
 
 <file path=ppt/slideLayouts/slideLayout7.xml><?xml version="1.0" encoding="utf-8"?>
-<p:sldLayout xmlns:a="http://schemas.openxmlformats.org/drawingml/2006/main" xmlns:r="http://schemas.openxmlformats.org/officeDocument/2006/relationships" xmlns:mc="http://schemas.openxmlformats.org/markup-compatibility/2006" xmlns:mv="urn:schemas-microsoft-com:mac:vml" xmlns:p="http://schemas.openxmlformats.org/presentationml/2006/main" xmlns:c="http://schemas.openxmlformats.org/drawingml/2006/chart" xmlns:dgm="http://schemas.openxmlformats.org/drawingml/2006/diagram" xmlns:o="urn:schemas-microsoft-com:office:office" xmlns:v="urn:schemas-microsoft-com:vml" xmlns:pvml="urn:schemas-microsoft-com:office:powerpoint" xmlns:com="http://schemas.openxmlformats.org/drawingml/2006/compatibility" xmlns:p14="http://schemas.microsoft.com/office/powerpoint/2010/main" xmlns:p15="http://schemas.microsoft.com/office/powerpoint/2012/main" matchingName="World Skills">
+<p:sldLayout xmlns:a="http://schemas.openxmlformats.org/drawingml/2006/main" xmlns:r="http://schemas.openxmlformats.org/officeDocument/2006/relationships" xmlns:mc="http://schemas.openxmlformats.org/markup-compatibility/2006" xmlns:mv="urn:schemas-microsoft-com:mac:vml" xmlns:p="http://schemas.openxmlformats.org/presentationml/2006/main" xmlns:c="http://schemas.openxmlformats.org/drawingml/2006/chart" xmlns:dgm="http://schemas.openxmlformats.org/drawingml/2006/diagram" xmlns:o="urn:schemas-microsoft-com:office:office" xmlns:v="urn:schemas-microsoft-com:vml" xmlns:pvml="urn:schemas-microsoft-com:office:powerpoint" xmlns:com="http://schemas.openxmlformats.org/drawingml/2006/compatibility" xmlns:p14="http://schemas.microsoft.com/office/powerpoint/2010/main" xmlns:p15="http://schemas.microsoft.com/office/powerpoint/2012/main" xmlns:ahyp="http://schemas.microsoft.com/office/drawing/2018/hyperlinkcolor" matchingName="World Skills">
   <p:cSld name="World Skills">
     <p:spTree>
       <p:nvGrpSpPr>
@@ -10568,7 +10450,7 @@
             </a:prstGeom>
             <a:solidFill>
               <a:srgbClr val="080808">
-                <a:alpha val="38431"/>
+                <a:alpha val="38039"/>
               </a:srgbClr>
             </a:solidFill>
             <a:ln cap="flat" cmpd="sng" w="9525">
@@ -10583,7 +10465,7 @@
             <a:effectLst>
               <a:outerShdw blurRad="40000" rotWithShape="0" dir="5400000" dist="23000">
                 <a:srgbClr val="000000">
-                  <a:alpha val="34509"/>
+                  <a:alpha val="34117"/>
                 </a:srgbClr>
               </a:outerShdw>
             </a:effectLst>
@@ -10663,7 +10545,7 @@
             <a:blip r:embed="rId4">
               <a:alphaModFix/>
             </a:blip>
-            <a:srcRect b="0" l="0" r="17370" t="14312"/>
+            <a:srcRect b="0" l="0" r="17369" t="14312"/>
             <a:stretch/>
           </p:blipFill>
           <p:spPr>
@@ -11365,7 +11247,7 @@
 </file>
 
 <file path=ppt/slideLayouts/slideLayout8.xml><?xml version="1.0" encoding="utf-8"?>
-<p:sldLayout xmlns:a="http://schemas.openxmlformats.org/drawingml/2006/main" xmlns:r="http://schemas.openxmlformats.org/officeDocument/2006/relationships" xmlns:mc="http://schemas.openxmlformats.org/markup-compatibility/2006" xmlns:mv="urn:schemas-microsoft-com:mac:vml" xmlns:p="http://schemas.openxmlformats.org/presentationml/2006/main" xmlns:c="http://schemas.openxmlformats.org/drawingml/2006/chart" xmlns:dgm="http://schemas.openxmlformats.org/drawingml/2006/diagram" xmlns:o="urn:schemas-microsoft-com:office:office" xmlns:v="urn:schemas-microsoft-com:vml" xmlns:pvml="urn:schemas-microsoft-com:office:powerpoint" xmlns:com="http://schemas.openxmlformats.org/drawingml/2006/compatibility" xmlns:p14="http://schemas.microsoft.com/office/powerpoint/2010/main" xmlns:p15="http://schemas.microsoft.com/office/powerpoint/2012/main" matchingName="Industrial">
+<p:sldLayout xmlns:a="http://schemas.openxmlformats.org/drawingml/2006/main" xmlns:r="http://schemas.openxmlformats.org/officeDocument/2006/relationships" xmlns:mc="http://schemas.openxmlformats.org/markup-compatibility/2006" xmlns:mv="urn:schemas-microsoft-com:mac:vml" xmlns:p="http://schemas.openxmlformats.org/presentationml/2006/main" xmlns:c="http://schemas.openxmlformats.org/drawingml/2006/chart" xmlns:dgm="http://schemas.openxmlformats.org/drawingml/2006/diagram" xmlns:o="urn:schemas-microsoft-com:office:office" xmlns:v="urn:schemas-microsoft-com:vml" xmlns:pvml="urn:schemas-microsoft-com:office:powerpoint" xmlns:com="http://schemas.openxmlformats.org/drawingml/2006/compatibility" xmlns:p14="http://schemas.microsoft.com/office/powerpoint/2010/main" xmlns:p15="http://schemas.microsoft.com/office/powerpoint/2012/main" xmlns:ahyp="http://schemas.microsoft.com/office/drawing/2018/hyperlinkcolor" matchingName="Industrial">
   <p:cSld name="Industrial">
     <p:spTree>
       <p:nvGrpSpPr>
@@ -12015,7 +11897,7 @@
           </a:prstGeom>
           <a:solidFill>
             <a:srgbClr val="080808">
-              <a:alpha val="38431"/>
+              <a:alpha val="38039"/>
             </a:srgbClr>
           </a:solidFill>
           <a:ln cap="flat" cmpd="sng" w="9525">
@@ -12030,7 +11912,7 @@
           <a:effectLst>
             <a:outerShdw blurRad="40000" rotWithShape="0" dir="5400000" dist="23000">
               <a:srgbClr val="000000">
-                <a:alpha val="34509"/>
+                <a:alpha val="34117"/>
               </a:srgbClr>
             </a:outerShdw>
           </a:effectLst>
@@ -12220,7 +12102,7 @@
 </file>
 
 <file path=ppt/slideLayouts/slideLayout9.xml><?xml version="1.0" encoding="utf-8"?>
-<p:sldLayout xmlns:a="http://schemas.openxmlformats.org/drawingml/2006/main" xmlns:r="http://schemas.openxmlformats.org/officeDocument/2006/relationships" xmlns:mc="http://schemas.openxmlformats.org/markup-compatibility/2006" xmlns:mv="urn:schemas-microsoft-com:mac:vml" xmlns:p="http://schemas.openxmlformats.org/presentationml/2006/main" xmlns:c="http://schemas.openxmlformats.org/drawingml/2006/chart" xmlns:dgm="http://schemas.openxmlformats.org/drawingml/2006/diagram" xmlns:o="urn:schemas-microsoft-com:office:office" xmlns:v="urn:schemas-microsoft-com:vml" xmlns:pvml="urn:schemas-microsoft-com:office:powerpoint" xmlns:com="http://schemas.openxmlformats.org/drawingml/2006/compatibility" xmlns:p14="http://schemas.microsoft.com/office/powerpoint/2010/main" xmlns:p15="http://schemas.microsoft.com/office/powerpoint/2012/main" matchingName="Formación 2">
+<p:sldLayout xmlns:a="http://schemas.openxmlformats.org/drawingml/2006/main" xmlns:r="http://schemas.openxmlformats.org/officeDocument/2006/relationships" xmlns:mc="http://schemas.openxmlformats.org/markup-compatibility/2006" xmlns:mv="urn:schemas-microsoft-com:mac:vml" xmlns:p="http://schemas.openxmlformats.org/presentationml/2006/main" xmlns:c="http://schemas.openxmlformats.org/drawingml/2006/chart" xmlns:dgm="http://schemas.openxmlformats.org/drawingml/2006/diagram" xmlns:o="urn:schemas-microsoft-com:office:office" xmlns:v="urn:schemas-microsoft-com:vml" xmlns:pvml="urn:schemas-microsoft-com:office:powerpoint" xmlns:com="http://schemas.openxmlformats.org/drawingml/2006/compatibility" xmlns:p14="http://schemas.microsoft.com/office/powerpoint/2010/main" xmlns:p15="http://schemas.microsoft.com/office/powerpoint/2012/main" xmlns:ahyp="http://schemas.microsoft.com/office/drawing/2018/hyperlinkcolor" matchingName="Formación 2">
   <p:cSld name="Formación 2">
     <p:spTree>
       <p:nvGrpSpPr>
@@ -12870,7 +12752,7 @@
           </a:prstGeom>
           <a:solidFill>
             <a:srgbClr val="080808">
-              <a:alpha val="38431"/>
+              <a:alpha val="38039"/>
             </a:srgbClr>
           </a:solidFill>
           <a:ln>
@@ -12879,7 +12761,7 @@
           <a:effectLst>
             <a:outerShdw blurRad="40000" rotWithShape="0" dir="5400000" dist="23000">
               <a:srgbClr val="000000">
-                <a:alpha val="34509"/>
+                <a:alpha val="34117"/>
               </a:srgbClr>
             </a:outerShdw>
           </a:effectLst>
@@ -13069,7 +12951,7 @@
 </file>
 
 <file path=ppt/slideMasters/slideMaster1.xml><?xml version="1.0" encoding="utf-8"?>
-<p:sldMaster xmlns:a="http://schemas.openxmlformats.org/drawingml/2006/main" xmlns:r="http://schemas.openxmlformats.org/officeDocument/2006/relationships" xmlns:mc="http://schemas.openxmlformats.org/markup-compatibility/2006" xmlns:mv="urn:schemas-microsoft-com:mac:vml" xmlns:p="http://schemas.openxmlformats.org/presentationml/2006/main" xmlns:c="http://schemas.openxmlformats.org/drawingml/2006/chart" xmlns:dgm="http://schemas.openxmlformats.org/drawingml/2006/diagram" xmlns:o="urn:schemas-microsoft-com:office:office" xmlns:v="urn:schemas-microsoft-com:vml" xmlns:pvml="urn:schemas-microsoft-com:office:powerpoint" xmlns:com="http://schemas.openxmlformats.org/drawingml/2006/compatibility" xmlns:p14="http://schemas.microsoft.com/office/powerpoint/2010/main" xmlns:p15="http://schemas.microsoft.com/office/powerpoint/2012/main">
+<p:sldMaster xmlns:a="http://schemas.openxmlformats.org/drawingml/2006/main" xmlns:r="http://schemas.openxmlformats.org/officeDocument/2006/relationships" xmlns:mc="http://schemas.openxmlformats.org/markup-compatibility/2006" xmlns:mv="urn:schemas-microsoft-com:mac:vml" xmlns:p="http://schemas.openxmlformats.org/presentationml/2006/main" xmlns:c="http://schemas.openxmlformats.org/drawingml/2006/chart" xmlns:dgm="http://schemas.openxmlformats.org/drawingml/2006/diagram" xmlns:o="urn:schemas-microsoft-com:office:office" xmlns:v="urn:schemas-microsoft-com:vml" xmlns:pvml="urn:schemas-microsoft-com:office:powerpoint" xmlns:com="http://schemas.openxmlformats.org/drawingml/2006/compatibility" xmlns:p14="http://schemas.microsoft.com/office/powerpoint/2010/main" xmlns:p15="http://schemas.microsoft.com/office/powerpoint/2012/main" xmlns:ahyp="http://schemas.microsoft.com/office/drawing/2018/hyperlinkcolor">
   <p:cSld>
     <p:bg>
       <p:bgPr>
@@ -14610,7 +14492,7 @@
 </file>
 
 <file path=ppt/slides/slide1.xml><?xml version="1.0" encoding="utf-8"?>
-<p:sld xmlns:a="http://schemas.openxmlformats.org/drawingml/2006/main" xmlns:r="http://schemas.openxmlformats.org/officeDocument/2006/relationships" xmlns:mc="http://schemas.openxmlformats.org/markup-compatibility/2006" xmlns:mv="urn:schemas-microsoft-com:mac:vml" xmlns:p="http://schemas.openxmlformats.org/presentationml/2006/main" xmlns:c="http://schemas.openxmlformats.org/drawingml/2006/chart" xmlns:dgm="http://schemas.openxmlformats.org/drawingml/2006/diagram" xmlns:o="urn:schemas-microsoft-com:office:office" xmlns:v="urn:schemas-microsoft-com:vml" xmlns:pvml="urn:schemas-microsoft-com:office:powerpoint" xmlns:com="http://schemas.openxmlformats.org/drawingml/2006/compatibility" xmlns:p14="http://schemas.microsoft.com/office/powerpoint/2010/main" xmlns:p15="http://schemas.microsoft.com/office/powerpoint/2012/main">
+<p:sld xmlns:a="http://schemas.openxmlformats.org/drawingml/2006/main" xmlns:r="http://schemas.openxmlformats.org/officeDocument/2006/relationships" xmlns:mc="http://schemas.openxmlformats.org/markup-compatibility/2006" xmlns:mv="urn:schemas-microsoft-com:mac:vml" xmlns:p="http://schemas.openxmlformats.org/presentationml/2006/main" xmlns:c="http://schemas.openxmlformats.org/drawingml/2006/chart" xmlns:dgm="http://schemas.openxmlformats.org/drawingml/2006/diagram" xmlns:o="urn:schemas-microsoft-com:office:office" xmlns:v="urn:schemas-microsoft-com:vml" xmlns:pvml="urn:schemas-microsoft-com:office:powerpoint" xmlns:com="http://schemas.openxmlformats.org/drawingml/2006/compatibility" xmlns:p14="http://schemas.microsoft.com/office/powerpoint/2010/main" xmlns:p15="http://schemas.microsoft.com/office/powerpoint/2012/main" xmlns:ahyp="http://schemas.microsoft.com/office/drawing/2018/hyperlinkcolor">
   <p:cSld>
     <p:spTree>
       <p:nvGrpSpPr>
@@ -14807,7 +14689,7 @@
 </file>
 
 <file path=ppt/slides/slide10.xml><?xml version="1.0" encoding="utf-8"?>
-<p:sld xmlns:a="http://schemas.openxmlformats.org/drawingml/2006/main" xmlns:r="http://schemas.openxmlformats.org/officeDocument/2006/relationships" xmlns:mc="http://schemas.openxmlformats.org/markup-compatibility/2006" xmlns:mv="urn:schemas-microsoft-com:mac:vml" xmlns:p="http://schemas.openxmlformats.org/presentationml/2006/main" xmlns:c="http://schemas.openxmlformats.org/drawingml/2006/chart" xmlns:dgm="http://schemas.openxmlformats.org/drawingml/2006/diagram" xmlns:o="urn:schemas-microsoft-com:office:office" xmlns:v="urn:schemas-microsoft-com:vml" xmlns:pvml="urn:schemas-microsoft-com:office:powerpoint" xmlns:com="http://schemas.openxmlformats.org/drawingml/2006/compatibility" xmlns:p14="http://schemas.microsoft.com/office/powerpoint/2010/main" xmlns:p15="http://schemas.microsoft.com/office/powerpoint/2012/main">
+<p:sld xmlns:a="http://schemas.openxmlformats.org/drawingml/2006/main" xmlns:r="http://schemas.openxmlformats.org/officeDocument/2006/relationships" xmlns:mc="http://schemas.openxmlformats.org/markup-compatibility/2006" xmlns:mv="urn:schemas-microsoft-com:mac:vml" xmlns:p="http://schemas.openxmlformats.org/presentationml/2006/main" xmlns:c="http://schemas.openxmlformats.org/drawingml/2006/chart" xmlns:dgm="http://schemas.openxmlformats.org/drawingml/2006/diagram" xmlns:o="urn:schemas-microsoft-com:office:office" xmlns:v="urn:schemas-microsoft-com:vml" xmlns:pvml="urn:schemas-microsoft-com:office:powerpoint" xmlns:com="http://schemas.openxmlformats.org/drawingml/2006/compatibility" xmlns:p14="http://schemas.microsoft.com/office/powerpoint/2010/main" xmlns:p15="http://schemas.microsoft.com/office/powerpoint/2012/main" xmlns:ahyp="http://schemas.microsoft.com/office/drawing/2018/hyperlinkcolor">
   <p:cSld>
     <p:spTree>
       <p:nvGrpSpPr>
@@ -14964,7 +14846,7 @@
 </file>
 
 <file path=ppt/slides/slide11.xml><?xml version="1.0" encoding="utf-8"?>
-<p:sld xmlns:a="http://schemas.openxmlformats.org/drawingml/2006/main" xmlns:r="http://schemas.openxmlformats.org/officeDocument/2006/relationships" xmlns:mc="http://schemas.openxmlformats.org/markup-compatibility/2006" xmlns:mv="urn:schemas-microsoft-com:mac:vml" xmlns:p="http://schemas.openxmlformats.org/presentationml/2006/main" xmlns:c="http://schemas.openxmlformats.org/drawingml/2006/chart" xmlns:dgm="http://schemas.openxmlformats.org/drawingml/2006/diagram" xmlns:o="urn:schemas-microsoft-com:office:office" xmlns:v="urn:schemas-microsoft-com:vml" xmlns:pvml="urn:schemas-microsoft-com:office:powerpoint" xmlns:com="http://schemas.openxmlformats.org/drawingml/2006/compatibility" xmlns:p14="http://schemas.microsoft.com/office/powerpoint/2010/main" xmlns:p15="http://schemas.microsoft.com/office/powerpoint/2012/main">
+<p:sld xmlns:a="http://schemas.openxmlformats.org/drawingml/2006/main" xmlns:r="http://schemas.openxmlformats.org/officeDocument/2006/relationships" xmlns:mc="http://schemas.openxmlformats.org/markup-compatibility/2006" xmlns:mv="urn:schemas-microsoft-com:mac:vml" xmlns:p="http://schemas.openxmlformats.org/presentationml/2006/main" xmlns:c="http://schemas.openxmlformats.org/drawingml/2006/chart" xmlns:dgm="http://schemas.openxmlformats.org/drawingml/2006/diagram" xmlns:o="urn:schemas-microsoft-com:office:office" xmlns:v="urn:schemas-microsoft-com:vml" xmlns:pvml="urn:schemas-microsoft-com:office:powerpoint" xmlns:com="http://schemas.openxmlformats.org/drawingml/2006/compatibility" xmlns:p14="http://schemas.microsoft.com/office/powerpoint/2010/main" xmlns:p15="http://schemas.microsoft.com/office/powerpoint/2012/main" xmlns:ahyp="http://schemas.microsoft.com/office/drawing/2018/hyperlinkcolor">
   <p:cSld>
     <p:spTree>
       <p:nvGrpSpPr>
@@ -15126,7 +15008,7 @@
         </p:nvSpPr>
         <p:spPr>
           <a:xfrm>
-            <a:off x="479225" y="3597626"/>
+            <a:off x="498100" y="3821998"/>
             <a:ext cx="3889800" cy="722400"/>
           </a:xfrm>
           <a:prstGeom prst="rect">
@@ -15176,7 +15058,27 @@
                 <a:cs typeface="Arial"/>
                 <a:sym typeface="Arial"/>
               </a:rPr>
-              <a:t>2. Habilita el ingreso de los usuarios al sistema determinando las opciones de acuerdo al rol correspondiente</a:t>
+              <a:t>5. Permite la asignación de roles para el ingreso a los diferentes </a:t>
+            </a:r>
+            <a:r>
+              <a:rPr lang="es-CO" sz="1200">
+                <a:solidFill>
+                  <a:schemeClr val="dk1"/>
+                </a:solidFill>
+              </a:rPr>
+              <a:t>módulos</a:t>
+            </a:r>
+            <a:r>
+              <a:rPr b="0" i="0" lang="es-CO" sz="1200" u="none" cap="none" strike="noStrike">
+                <a:solidFill>
+                  <a:schemeClr val="dk1"/>
+                </a:solidFill>
+                <a:latin typeface="Arial"/>
+                <a:ea typeface="Arial"/>
+                <a:cs typeface="Arial"/>
+                <a:sym typeface="Arial"/>
+              </a:rPr>
+              <a:t> y eliminación de usuarios.</a:t>
             </a:r>
             <a:endParaRPr b="0" i="0" sz="1200" u="none" cap="none" strike="noStrike">
               <a:solidFill>
@@ -15193,222 +15095,6 @@
       <p:sp>
         <p:nvSpPr>
           <p:cNvPr id="212" name="Google Shape;212;g6c60467031_2_0"/>
-          <p:cNvSpPr txBox="1"/>
-          <p:nvPr/>
-        </p:nvSpPr>
-        <p:spPr>
-          <a:xfrm>
-            <a:off x="479225" y="4345239"/>
-            <a:ext cx="3889800" cy="722400"/>
-          </a:xfrm>
-          <a:prstGeom prst="rect">
-            <a:avLst/>
-          </a:prstGeom>
-          <a:noFill/>
-          <a:ln cap="flat" cmpd="sng" w="9525">
-            <a:solidFill>
-              <a:schemeClr val="accent1"/>
-            </a:solidFill>
-            <a:prstDash val="solid"/>
-            <a:round/>
-            <a:headEnd len="sm" w="sm" type="none"/>
-            <a:tailEnd len="sm" w="sm" type="none"/>
-          </a:ln>
-        </p:spPr>
-        <p:txBody>
-          <a:bodyPr anchorCtr="0" anchor="ctr" bIns="45700" lIns="91425" spcFirstLastPara="1" rIns="91425" wrap="square" tIns="45700">
-            <a:noAutofit/>
-          </a:bodyPr>
-          <a:lstStyle/>
-          <a:p>
-            <a:pPr indent="0" lvl="0" marL="0" marR="0" rtl="0" algn="l">
-              <a:lnSpc>
-                <a:spcPct val="100000"/>
-              </a:lnSpc>
-              <a:spcBef>
-                <a:spcPts val="0"/>
-              </a:spcBef>
-              <a:spcAft>
-                <a:spcPts val="0"/>
-              </a:spcAft>
-              <a:buClr>
-                <a:srgbClr val="000000"/>
-              </a:buClr>
-              <a:buSzPts val="1200"/>
-              <a:buFont typeface="Arial"/>
-              <a:buNone/>
-            </a:pPr>
-            <a:r>
-              <a:rPr b="0" i="0" lang="es-CO" sz="1200" u="none" cap="none" strike="noStrike">
-                <a:solidFill>
-                  <a:schemeClr val="dk1"/>
-                </a:solidFill>
-                <a:latin typeface="Arial"/>
-                <a:ea typeface="Arial"/>
-                <a:cs typeface="Arial"/>
-                <a:sym typeface="Arial"/>
-              </a:rPr>
-              <a:t>3. Permite visualizar las visitas y descargar la información de la agenda de los clientes.</a:t>
-            </a:r>
-            <a:endParaRPr b="0" i="0" sz="1200" u="none" cap="none" strike="noStrike">
-              <a:solidFill>
-                <a:schemeClr val="dk1"/>
-              </a:solidFill>
-              <a:latin typeface="Arial"/>
-              <a:ea typeface="Arial"/>
-              <a:cs typeface="Arial"/>
-              <a:sym typeface="Arial"/>
-            </a:endParaRPr>
-          </a:p>
-        </p:txBody>
-      </p:sp>
-      <p:sp>
-        <p:nvSpPr>
-          <p:cNvPr id="213" name="Google Shape;213;g6c60467031_2_0"/>
-          <p:cNvSpPr txBox="1"/>
-          <p:nvPr/>
-        </p:nvSpPr>
-        <p:spPr>
-          <a:xfrm>
-            <a:off x="479225" y="5083991"/>
-            <a:ext cx="3889800" cy="722400"/>
-          </a:xfrm>
-          <a:prstGeom prst="rect">
-            <a:avLst/>
-          </a:prstGeom>
-          <a:noFill/>
-          <a:ln cap="flat" cmpd="sng" w="9525">
-            <a:solidFill>
-              <a:schemeClr val="accent1"/>
-            </a:solidFill>
-            <a:prstDash val="solid"/>
-            <a:round/>
-            <a:headEnd len="sm" w="sm" type="none"/>
-            <a:tailEnd len="sm" w="sm" type="none"/>
-          </a:ln>
-        </p:spPr>
-        <p:txBody>
-          <a:bodyPr anchorCtr="0" anchor="ctr" bIns="45700" lIns="91425" spcFirstLastPara="1" rIns="91425" wrap="square" tIns="45700">
-            <a:noAutofit/>
-          </a:bodyPr>
-          <a:lstStyle/>
-          <a:p>
-            <a:pPr indent="0" lvl="0" marL="0" marR="0" rtl="0" algn="l">
-              <a:lnSpc>
-                <a:spcPct val="100000"/>
-              </a:lnSpc>
-              <a:spcBef>
-                <a:spcPts val="0"/>
-              </a:spcBef>
-              <a:spcAft>
-                <a:spcPts val="0"/>
-              </a:spcAft>
-              <a:buClr>
-                <a:srgbClr val="000000"/>
-              </a:buClr>
-              <a:buSzPts val="1200"/>
-              <a:buFont typeface="Arial"/>
-              <a:buNone/>
-            </a:pPr>
-            <a:r>
-              <a:rPr b="0" i="0" lang="es-CO" sz="1200" u="none" cap="none" strike="noStrike">
-                <a:solidFill>
-                  <a:schemeClr val="dk1"/>
-                </a:solidFill>
-                <a:latin typeface="Arial"/>
-                <a:ea typeface="Arial"/>
-                <a:cs typeface="Arial"/>
-                <a:sym typeface="Arial"/>
-              </a:rPr>
-              <a:t>4. Premite visualizar diagramas y el comportamiento del cliente en el aplicativo</a:t>
-            </a:r>
-            <a:endParaRPr b="0" i="0" sz="1200" u="none" cap="none" strike="noStrike">
-              <a:solidFill>
-                <a:schemeClr val="dk1"/>
-              </a:solidFill>
-              <a:latin typeface="Arial"/>
-              <a:ea typeface="Arial"/>
-              <a:cs typeface="Arial"/>
-              <a:sym typeface="Arial"/>
-            </a:endParaRPr>
-          </a:p>
-        </p:txBody>
-      </p:sp>
-      <p:sp>
-        <p:nvSpPr>
-          <p:cNvPr id="214" name="Google Shape;214;g6c60467031_2_0"/>
-          <p:cNvSpPr txBox="1"/>
-          <p:nvPr/>
-        </p:nvSpPr>
-        <p:spPr>
-          <a:xfrm>
-            <a:off x="479225" y="5805023"/>
-            <a:ext cx="3889800" cy="722400"/>
-          </a:xfrm>
-          <a:prstGeom prst="rect">
-            <a:avLst/>
-          </a:prstGeom>
-          <a:noFill/>
-          <a:ln cap="flat" cmpd="sng" w="9525">
-            <a:solidFill>
-              <a:schemeClr val="accent1"/>
-            </a:solidFill>
-            <a:prstDash val="solid"/>
-            <a:round/>
-            <a:headEnd len="sm" w="sm" type="none"/>
-            <a:tailEnd len="sm" w="sm" type="none"/>
-          </a:ln>
-        </p:spPr>
-        <p:txBody>
-          <a:bodyPr anchorCtr="0" anchor="ctr" bIns="45700" lIns="91425" spcFirstLastPara="1" rIns="91425" wrap="square" tIns="45700">
-            <a:noAutofit/>
-          </a:bodyPr>
-          <a:lstStyle/>
-          <a:p>
-            <a:pPr indent="0" lvl="0" marL="0" marR="0" rtl="0" algn="l">
-              <a:lnSpc>
-                <a:spcPct val="100000"/>
-              </a:lnSpc>
-              <a:spcBef>
-                <a:spcPts val="0"/>
-              </a:spcBef>
-              <a:spcAft>
-                <a:spcPts val="0"/>
-              </a:spcAft>
-              <a:buClr>
-                <a:srgbClr val="000000"/>
-              </a:buClr>
-              <a:buSzPts val="1200"/>
-              <a:buFont typeface="Arial"/>
-              <a:buNone/>
-            </a:pPr>
-            <a:r>
-              <a:rPr b="0" i="0" lang="es-CO" sz="1200" u="none" cap="none" strike="noStrike">
-                <a:solidFill>
-                  <a:schemeClr val="dk1"/>
-                </a:solidFill>
-                <a:latin typeface="Arial"/>
-                <a:ea typeface="Arial"/>
-                <a:cs typeface="Arial"/>
-                <a:sym typeface="Arial"/>
-              </a:rPr>
-              <a:t>5. Permite la asignación de roles para el ingreso a los diferentes modulos y eliminación de usuarios.</a:t>
-            </a:r>
-            <a:endParaRPr b="0" i="0" sz="1200" u="none" cap="none" strike="noStrike">
-              <a:solidFill>
-                <a:schemeClr val="dk1"/>
-              </a:solidFill>
-              <a:latin typeface="Arial"/>
-              <a:ea typeface="Arial"/>
-              <a:cs typeface="Arial"/>
-              <a:sym typeface="Arial"/>
-            </a:endParaRPr>
-          </a:p>
-        </p:txBody>
-      </p:sp>
-      <p:sp>
-        <p:nvSpPr>
-          <p:cNvPr id="215" name="Google Shape;215;g6c60467031_2_0"/>
           <p:cNvSpPr txBox="1"/>
           <p:nvPr/>
         </p:nvSpPr>
@@ -15464,7 +15150,27 @@
                 <a:cs typeface="Arial"/>
                 <a:sym typeface="Arial"/>
               </a:rPr>
-              <a:t>6. Envia correo notificando la asignación de citas y boletines informativos a los clientes de cada evento propuesto por la empresa.</a:t>
+              <a:t>6. </a:t>
+            </a:r>
+            <a:r>
+              <a:rPr lang="es-CO" sz="1200">
+                <a:solidFill>
+                  <a:schemeClr val="dk1"/>
+                </a:solidFill>
+              </a:rPr>
+              <a:t>Enviar</a:t>
+            </a:r>
+            <a:r>
+              <a:rPr b="0" i="0" lang="es-CO" sz="1200" u="none" cap="none" strike="noStrike">
+                <a:solidFill>
+                  <a:schemeClr val="dk1"/>
+                </a:solidFill>
+                <a:latin typeface="Arial"/>
+                <a:ea typeface="Arial"/>
+                <a:cs typeface="Arial"/>
+                <a:sym typeface="Arial"/>
+              </a:rPr>
+              <a:t> correo notificando la asignación de citas y boletines informativos a los clientes de cada evento propuesto por la empresa.</a:t>
             </a:r>
             <a:endParaRPr b="0" i="0" sz="1200" u="none" cap="none" strike="noStrike">
               <a:solidFill>
@@ -15480,13 +15186,13 @@
       </p:sp>
       <p:sp>
         <p:nvSpPr>
-          <p:cNvPr id="216" name="Google Shape;216;g6c60467031_2_0"/>
+          <p:cNvPr id="213" name="Google Shape;213;g6c60467031_2_0"/>
           <p:cNvSpPr txBox="1"/>
           <p:nvPr/>
         </p:nvSpPr>
         <p:spPr>
           <a:xfrm>
-            <a:off x="4637337" y="3597643"/>
+            <a:off x="4769537" y="3821993"/>
             <a:ext cx="4055100" cy="722400"/>
           </a:xfrm>
           <a:prstGeom prst="rect">
@@ -15536,7 +15242,27 @@
                 <a:cs typeface="Arial"/>
                 <a:sym typeface="Arial"/>
               </a:rPr>
-              <a:t>7. Permite crear y modificar eventos de acuerdo a los parametros de seguridad que se ingresen en el sistema y permite el adecuado almacenamiento en los servidores</a:t>
+              <a:t>7. Permite crear y modificar eventos de acuerdo a los </a:t>
+            </a:r>
+            <a:r>
+              <a:rPr lang="es-CO" sz="1200">
+                <a:solidFill>
+                  <a:schemeClr val="dk1"/>
+                </a:solidFill>
+              </a:rPr>
+              <a:t>parámetros</a:t>
+            </a:r>
+            <a:r>
+              <a:rPr b="0" i="0" lang="es-CO" sz="1200" u="none" cap="none" strike="noStrike">
+                <a:solidFill>
+                  <a:schemeClr val="dk1"/>
+                </a:solidFill>
+                <a:latin typeface="Arial"/>
+                <a:ea typeface="Arial"/>
+                <a:cs typeface="Arial"/>
+                <a:sym typeface="Arial"/>
+              </a:rPr>
+              <a:t> de seguridad que se ingresen en el sistema y permite el adecuado almacenamiento en los servidores</a:t>
             </a:r>
             <a:endParaRPr b="0" i="0" sz="1200" u="none" cap="none" strike="noStrike">
               <a:solidFill>
@@ -15552,13 +15278,13 @@
       </p:sp>
       <p:sp>
         <p:nvSpPr>
-          <p:cNvPr id="217" name="Google Shape;217;g6c60467031_2_0"/>
+          <p:cNvPr id="214" name="Google Shape;214;g6c60467031_2_0"/>
           <p:cNvSpPr txBox="1"/>
           <p:nvPr/>
         </p:nvSpPr>
         <p:spPr>
           <a:xfrm>
-            <a:off x="4637333" y="4345271"/>
+            <a:off x="415450" y="4885745"/>
             <a:ext cx="4055100" cy="722400"/>
           </a:xfrm>
           <a:prstGeom prst="rect">
@@ -15608,7 +15334,27 @@
                 <a:cs typeface="Arial"/>
                 <a:sym typeface="Arial"/>
               </a:rPr>
-              <a:t>8. Encripta informacion confidencial de los clientes.</a:t>
+              <a:t>9. Genera agendamiento con Google </a:t>
+            </a:r>
+            <a:r>
+              <a:rPr lang="es-CO" sz="1200">
+                <a:solidFill>
+                  <a:schemeClr val="dk1"/>
+                </a:solidFill>
+              </a:rPr>
+              <a:t>Calendar</a:t>
+            </a:r>
+            <a:r>
+              <a:rPr b="0" i="0" lang="es-CO" sz="1200" u="none" cap="none" strike="noStrike">
+                <a:solidFill>
+                  <a:schemeClr val="dk1"/>
+                </a:solidFill>
+                <a:latin typeface="Arial"/>
+                <a:ea typeface="Arial"/>
+                <a:cs typeface="Arial"/>
+                <a:sym typeface="Arial"/>
+              </a:rPr>
+              <a:t>.</a:t>
             </a:r>
             <a:endParaRPr b="0" i="0" sz="1200" u="none" cap="none" strike="noStrike">
               <a:solidFill>
@@ -15624,85 +15370,13 @@
       </p:sp>
       <p:sp>
         <p:nvSpPr>
-          <p:cNvPr id="218" name="Google Shape;218;g6c60467031_2_0"/>
+          <p:cNvPr id="215" name="Google Shape;215;g6c60467031_2_0"/>
           <p:cNvSpPr txBox="1"/>
           <p:nvPr/>
         </p:nvSpPr>
         <p:spPr>
           <a:xfrm>
-            <a:off x="4637325" y="5084045"/>
-            <a:ext cx="4055100" cy="722400"/>
-          </a:xfrm>
-          <a:prstGeom prst="rect">
-            <a:avLst/>
-          </a:prstGeom>
-          <a:noFill/>
-          <a:ln cap="flat" cmpd="sng" w="9525">
-            <a:solidFill>
-              <a:schemeClr val="accent1"/>
-            </a:solidFill>
-            <a:prstDash val="solid"/>
-            <a:round/>
-            <a:headEnd len="sm" w="sm" type="none"/>
-            <a:tailEnd len="sm" w="sm" type="none"/>
-          </a:ln>
-        </p:spPr>
-        <p:txBody>
-          <a:bodyPr anchorCtr="0" anchor="ctr" bIns="45700" lIns="91425" spcFirstLastPara="1" rIns="91425" wrap="square" tIns="45700">
-            <a:noAutofit/>
-          </a:bodyPr>
-          <a:lstStyle/>
-          <a:p>
-            <a:pPr indent="0" lvl="0" marL="0" marR="0" rtl="0" algn="l">
-              <a:lnSpc>
-                <a:spcPct val="100000"/>
-              </a:lnSpc>
-              <a:spcBef>
-                <a:spcPts val="0"/>
-              </a:spcBef>
-              <a:spcAft>
-                <a:spcPts val="0"/>
-              </a:spcAft>
-              <a:buClr>
-                <a:srgbClr val="000000"/>
-              </a:buClr>
-              <a:buSzPts val="1200"/>
-              <a:buFont typeface="Arial"/>
-              <a:buNone/>
-            </a:pPr>
-            <a:r>
-              <a:rPr b="0" i="0" lang="es-CO" sz="1200" u="none" cap="none" strike="noStrike">
-                <a:solidFill>
-                  <a:schemeClr val="dk1"/>
-                </a:solidFill>
-                <a:latin typeface="Arial"/>
-                <a:ea typeface="Arial"/>
-                <a:cs typeface="Arial"/>
-                <a:sym typeface="Arial"/>
-              </a:rPr>
-              <a:t>9. Genera agendamiento con Google Calender.</a:t>
-            </a:r>
-            <a:endParaRPr b="0" i="0" sz="1200" u="none" cap="none" strike="noStrike">
-              <a:solidFill>
-                <a:schemeClr val="dk1"/>
-              </a:solidFill>
-              <a:latin typeface="Arial"/>
-              <a:ea typeface="Arial"/>
-              <a:cs typeface="Arial"/>
-              <a:sym typeface="Arial"/>
-            </a:endParaRPr>
-          </a:p>
-        </p:txBody>
-      </p:sp>
-      <p:sp>
-        <p:nvSpPr>
-          <p:cNvPr id="219" name="Google Shape;219;g6c60467031_2_0"/>
-          <p:cNvSpPr txBox="1"/>
-          <p:nvPr/>
-        </p:nvSpPr>
-        <p:spPr>
-          <a:xfrm>
-            <a:off x="4637325" y="5805074"/>
+            <a:off x="4769525" y="4885749"/>
             <a:ext cx="4055100" cy="722400"/>
           </a:xfrm>
           <a:prstGeom prst="rect">
@@ -15775,11 +15449,11 @@
 </file>
 
 <file path=ppt/slides/slide12.xml><?xml version="1.0" encoding="utf-8"?>
-<p:sld xmlns:a="http://schemas.openxmlformats.org/drawingml/2006/main" xmlns:r="http://schemas.openxmlformats.org/officeDocument/2006/relationships" xmlns:mc="http://schemas.openxmlformats.org/markup-compatibility/2006" xmlns:mv="urn:schemas-microsoft-com:mac:vml" xmlns:p="http://schemas.openxmlformats.org/presentationml/2006/main" xmlns:c="http://schemas.openxmlformats.org/drawingml/2006/chart" xmlns:dgm="http://schemas.openxmlformats.org/drawingml/2006/diagram" xmlns:o="urn:schemas-microsoft-com:office:office" xmlns:v="urn:schemas-microsoft-com:vml" xmlns:pvml="urn:schemas-microsoft-com:office:powerpoint" xmlns:com="http://schemas.openxmlformats.org/drawingml/2006/compatibility" xmlns:p14="http://schemas.microsoft.com/office/powerpoint/2010/main" xmlns:p15="http://schemas.microsoft.com/office/powerpoint/2012/main">
+<p:sld xmlns:a="http://schemas.openxmlformats.org/drawingml/2006/main" xmlns:r="http://schemas.openxmlformats.org/officeDocument/2006/relationships" xmlns:mc="http://schemas.openxmlformats.org/markup-compatibility/2006" xmlns:mv="urn:schemas-microsoft-com:mac:vml" xmlns:p="http://schemas.openxmlformats.org/presentationml/2006/main" xmlns:c="http://schemas.openxmlformats.org/drawingml/2006/chart" xmlns:dgm="http://schemas.openxmlformats.org/drawingml/2006/diagram" xmlns:o="urn:schemas-microsoft-com:office:office" xmlns:v="urn:schemas-microsoft-com:vml" xmlns:pvml="urn:schemas-microsoft-com:office:powerpoint" xmlns:com="http://schemas.openxmlformats.org/drawingml/2006/compatibility" xmlns:p14="http://schemas.microsoft.com/office/powerpoint/2010/main" xmlns:p15="http://schemas.microsoft.com/office/powerpoint/2012/main" xmlns:ahyp="http://schemas.microsoft.com/office/drawing/2018/hyperlinkcolor">
   <p:cSld>
     <p:spTree>
       <p:nvGrpSpPr>
-        <p:cNvPr id="223" name="Shape 223"/>
+        <p:cNvPr id="219" name="Shape 219"/>
         <p:cNvGrpSpPr/>
         <p:nvPr/>
       </p:nvGrpSpPr>
@@ -15793,7 +15467,7 @@
       </p:grpSpPr>
       <p:sp>
         <p:nvSpPr>
-          <p:cNvPr id="224" name="Google Shape;224;g75f9465253_0_0"/>
+          <p:cNvPr id="220" name="Google Shape;220;g75f9465253_0_0"/>
           <p:cNvSpPr txBox="1"/>
           <p:nvPr/>
         </p:nvSpPr>
@@ -15859,7 +15533,7 @@
       </p:sp>
       <p:sp>
         <p:nvSpPr>
-          <p:cNvPr id="225" name="Google Shape;225;g75f9465253_0_0"/>
+          <p:cNvPr id="221" name="Google Shape;221;g75f9465253_0_0"/>
           <p:cNvSpPr txBox="1"/>
           <p:nvPr/>
         </p:nvSpPr>
@@ -15917,27 +15591,58 @@
               </a:rPr>
               <a:t>1. </a:t>
             </a:r>
-            <a:endParaRPr b="0" i="0" sz="1200" u="none" cap="none" strike="noStrike">
+            <a:r>
+              <a:rPr lang="es-CO" sz="1200">
+                <a:solidFill>
+                  <a:schemeClr val="dk1"/>
+                </a:solidFill>
+              </a:rPr>
+              <a:t> Habilita el ingreso de los usuarios al sistema determinando las opciones de acuerdo al rol correspondiente</a:t>
+            </a:r>
+            <a:endParaRPr sz="1200">
               <a:solidFill>
                 <a:schemeClr val="dk1"/>
               </a:solidFill>
-              <a:latin typeface="Arial"/>
-              <a:ea typeface="Arial"/>
-              <a:cs typeface="Arial"/>
-              <a:sym typeface="Arial"/>
+            </a:endParaRPr>
+          </a:p>
+          <a:p>
+            <a:pPr indent="0" lvl="0" marL="0" marR="0" rtl="0" algn="l">
+              <a:lnSpc>
+                <a:spcPct val="100000"/>
+              </a:lnSpc>
+              <a:spcBef>
+                <a:spcPts val="0"/>
+              </a:spcBef>
+              <a:spcAft>
+                <a:spcPts val="0"/>
+              </a:spcAft>
+              <a:buClr>
+                <a:srgbClr val="000000"/>
+              </a:buClr>
+              <a:buSzPts val="1200"/>
+              <a:buFont typeface="Arial"/>
+              <a:buNone/>
+            </a:pPr>
+            <a:r>
+              <a:t/>
+            </a:r>
+            <a:endParaRPr sz="1200">
+              <a:solidFill>
+                <a:schemeClr val="dk1"/>
+              </a:solidFill>
             </a:endParaRPr>
           </a:p>
         </p:txBody>
       </p:sp>
       <p:sp>
         <p:nvSpPr>
-          <p:cNvPr id="226" name="Google Shape;226;g75f9465253_0_0"/>
+          <p:cNvPr id="222" name="Google Shape;222;g75f9465253_0_0"/>
           <p:cNvSpPr txBox="1"/>
           <p:nvPr/>
         </p:nvSpPr>
         <p:spPr>
           <a:xfrm>
-            <a:off x="233950" y="3635376"/>
+            <a:off x="252825" y="4098101"/>
             <a:ext cx="3889800" cy="722400"/>
           </a:xfrm>
           <a:prstGeom prst="rect">
@@ -15989,237 +15694,52 @@
               </a:rPr>
               <a:t>2. </a:t>
             </a:r>
-            <a:endParaRPr b="0" i="0" sz="1200" u="none" cap="none" strike="noStrike">
+            <a:r>
+              <a:rPr lang="es-CO" sz="1200">
+                <a:solidFill>
+                  <a:schemeClr val="dk1"/>
+                </a:solidFill>
+              </a:rPr>
+              <a:t>Permite visualizar las visitas y descargar la información de la agenda de los clientes.</a:t>
+            </a:r>
+            <a:endParaRPr sz="1200">
               <a:solidFill>
                 <a:schemeClr val="dk1"/>
               </a:solidFill>
-              <a:latin typeface="Arial"/>
-              <a:ea typeface="Arial"/>
-              <a:cs typeface="Arial"/>
-              <a:sym typeface="Arial"/>
+            </a:endParaRPr>
+          </a:p>
+          <a:p>
+            <a:pPr indent="0" lvl="0" marL="0" marR="0" rtl="0" algn="l">
+              <a:lnSpc>
+                <a:spcPct val="100000"/>
+              </a:lnSpc>
+              <a:spcBef>
+                <a:spcPts val="0"/>
+              </a:spcBef>
+              <a:spcAft>
+                <a:spcPts val="0"/>
+              </a:spcAft>
+              <a:buClr>
+                <a:srgbClr val="000000"/>
+              </a:buClr>
+              <a:buSzPts val="1200"/>
+              <a:buFont typeface="Arial"/>
+              <a:buNone/>
+            </a:pPr>
+            <a:r>
+              <a:t/>
+            </a:r>
+            <a:endParaRPr sz="1200">
+              <a:solidFill>
+                <a:schemeClr val="dk1"/>
+              </a:solidFill>
             </a:endParaRPr>
           </a:p>
         </p:txBody>
       </p:sp>
       <p:sp>
         <p:nvSpPr>
-          <p:cNvPr id="227" name="Google Shape;227;g75f9465253_0_0"/>
-          <p:cNvSpPr txBox="1"/>
-          <p:nvPr/>
-        </p:nvSpPr>
-        <p:spPr>
-          <a:xfrm>
-            <a:off x="233950" y="4382989"/>
-            <a:ext cx="3889800" cy="722400"/>
-          </a:xfrm>
-          <a:prstGeom prst="rect">
-            <a:avLst/>
-          </a:prstGeom>
-          <a:noFill/>
-          <a:ln cap="flat" cmpd="sng" w="9525">
-            <a:solidFill>
-              <a:schemeClr val="accent1"/>
-            </a:solidFill>
-            <a:prstDash val="solid"/>
-            <a:round/>
-            <a:headEnd len="sm" w="sm" type="none"/>
-            <a:tailEnd len="sm" w="sm" type="none"/>
-          </a:ln>
-        </p:spPr>
-        <p:txBody>
-          <a:bodyPr anchorCtr="0" anchor="ctr" bIns="45700" lIns="91425" spcFirstLastPara="1" rIns="91425" wrap="square" tIns="45700">
-            <a:noAutofit/>
-          </a:bodyPr>
-          <a:lstStyle/>
-          <a:p>
-            <a:pPr indent="0" lvl="0" marL="0" marR="0" rtl="0" algn="l">
-              <a:lnSpc>
-                <a:spcPct val="100000"/>
-              </a:lnSpc>
-              <a:spcBef>
-                <a:spcPts val="0"/>
-              </a:spcBef>
-              <a:spcAft>
-                <a:spcPts val="0"/>
-              </a:spcAft>
-              <a:buClr>
-                <a:srgbClr val="000000"/>
-              </a:buClr>
-              <a:buSzPts val="1200"/>
-              <a:buFont typeface="Arial"/>
-              <a:buNone/>
-            </a:pPr>
-            <a:r>
-              <a:rPr b="0" i="0" lang="es-CO" sz="1200" u="none" cap="none" strike="noStrike">
-                <a:solidFill>
-                  <a:schemeClr val="dk1"/>
-                </a:solidFill>
-                <a:latin typeface="Arial"/>
-                <a:ea typeface="Arial"/>
-                <a:cs typeface="Arial"/>
-                <a:sym typeface="Arial"/>
-              </a:rPr>
-              <a:t>3.</a:t>
-            </a:r>
-            <a:endParaRPr b="0" i="0" sz="1200" u="none" cap="none" strike="noStrike">
-              <a:solidFill>
-                <a:schemeClr val="dk1"/>
-              </a:solidFill>
-              <a:latin typeface="Arial"/>
-              <a:ea typeface="Arial"/>
-              <a:cs typeface="Arial"/>
-              <a:sym typeface="Arial"/>
-            </a:endParaRPr>
-          </a:p>
-        </p:txBody>
-      </p:sp>
-      <p:sp>
-        <p:nvSpPr>
-          <p:cNvPr id="228" name="Google Shape;228;g75f9465253_0_0"/>
-          <p:cNvSpPr txBox="1"/>
-          <p:nvPr/>
-        </p:nvSpPr>
-        <p:spPr>
-          <a:xfrm>
-            <a:off x="233950" y="5121741"/>
-            <a:ext cx="3889800" cy="722400"/>
-          </a:xfrm>
-          <a:prstGeom prst="rect">
-            <a:avLst/>
-          </a:prstGeom>
-          <a:noFill/>
-          <a:ln cap="flat" cmpd="sng" w="9525">
-            <a:solidFill>
-              <a:schemeClr val="accent1"/>
-            </a:solidFill>
-            <a:prstDash val="solid"/>
-            <a:round/>
-            <a:headEnd len="sm" w="sm" type="none"/>
-            <a:tailEnd len="sm" w="sm" type="none"/>
-          </a:ln>
-        </p:spPr>
-        <p:txBody>
-          <a:bodyPr anchorCtr="0" anchor="ctr" bIns="45700" lIns="91425" spcFirstLastPara="1" rIns="91425" wrap="square" tIns="45700">
-            <a:noAutofit/>
-          </a:bodyPr>
-          <a:lstStyle/>
-          <a:p>
-            <a:pPr indent="0" lvl="0" marL="0" marR="0" rtl="0" algn="l">
-              <a:lnSpc>
-                <a:spcPct val="100000"/>
-              </a:lnSpc>
-              <a:spcBef>
-                <a:spcPts val="0"/>
-              </a:spcBef>
-              <a:spcAft>
-                <a:spcPts val="0"/>
-              </a:spcAft>
-              <a:buClr>
-                <a:srgbClr val="000000"/>
-              </a:buClr>
-              <a:buSzPts val="1200"/>
-              <a:buFont typeface="Arial"/>
-              <a:buNone/>
-            </a:pPr>
-            <a:r>
-              <a:rPr b="0" i="0" lang="es-CO" sz="1200" u="none" cap="none" strike="noStrike">
-                <a:solidFill>
-                  <a:schemeClr val="dk1"/>
-                </a:solidFill>
-                <a:latin typeface="Arial"/>
-                <a:ea typeface="Arial"/>
-                <a:cs typeface="Arial"/>
-                <a:sym typeface="Arial"/>
-              </a:rPr>
-              <a:t>4.</a:t>
-            </a:r>
-            <a:endParaRPr b="0" i="0" sz="1200" u="none" cap="none" strike="noStrike">
-              <a:solidFill>
-                <a:schemeClr val="dk1"/>
-              </a:solidFill>
-              <a:latin typeface="Arial"/>
-              <a:ea typeface="Arial"/>
-              <a:cs typeface="Arial"/>
-              <a:sym typeface="Arial"/>
-            </a:endParaRPr>
-          </a:p>
-        </p:txBody>
-      </p:sp>
-      <p:sp>
-        <p:nvSpPr>
-          <p:cNvPr id="229" name="Google Shape;229;g75f9465253_0_0"/>
-          <p:cNvSpPr txBox="1"/>
-          <p:nvPr/>
-        </p:nvSpPr>
-        <p:spPr>
-          <a:xfrm>
-            <a:off x="233950" y="5842773"/>
-            <a:ext cx="3889800" cy="722400"/>
-          </a:xfrm>
-          <a:prstGeom prst="rect">
-            <a:avLst/>
-          </a:prstGeom>
-          <a:noFill/>
-          <a:ln cap="flat" cmpd="sng" w="9525">
-            <a:solidFill>
-              <a:schemeClr val="accent1"/>
-            </a:solidFill>
-            <a:prstDash val="solid"/>
-            <a:round/>
-            <a:headEnd len="sm" w="sm" type="none"/>
-            <a:tailEnd len="sm" w="sm" type="none"/>
-          </a:ln>
-        </p:spPr>
-        <p:txBody>
-          <a:bodyPr anchorCtr="0" anchor="ctr" bIns="45700" lIns="91425" spcFirstLastPara="1" rIns="91425" wrap="square" tIns="45700">
-            <a:noAutofit/>
-          </a:bodyPr>
-          <a:lstStyle/>
-          <a:p>
-            <a:pPr indent="0" lvl="0" marL="0" marR="0" rtl="0" algn="l">
-              <a:lnSpc>
-                <a:spcPct val="100000"/>
-              </a:lnSpc>
-              <a:spcBef>
-                <a:spcPts val="0"/>
-              </a:spcBef>
-              <a:spcAft>
-                <a:spcPts val="0"/>
-              </a:spcAft>
-              <a:buClr>
-                <a:srgbClr val="000000"/>
-              </a:buClr>
-              <a:buSzPts val="1200"/>
-              <a:buFont typeface="Arial"/>
-              <a:buNone/>
-            </a:pPr>
-            <a:r>
-              <a:rPr b="0" i="0" lang="es-CO" sz="1200" u="none" cap="none" strike="noStrike">
-                <a:solidFill>
-                  <a:schemeClr val="dk1"/>
-                </a:solidFill>
-                <a:latin typeface="Arial"/>
-                <a:ea typeface="Arial"/>
-                <a:cs typeface="Arial"/>
-                <a:sym typeface="Arial"/>
-              </a:rPr>
-              <a:t>5..</a:t>
-            </a:r>
-            <a:endParaRPr b="0" i="0" sz="1200" u="none" cap="none" strike="noStrike">
-              <a:solidFill>
-                <a:schemeClr val="dk1"/>
-              </a:solidFill>
-              <a:latin typeface="Arial"/>
-              <a:ea typeface="Arial"/>
-              <a:cs typeface="Arial"/>
-              <a:sym typeface="Arial"/>
-            </a:endParaRPr>
-          </a:p>
-        </p:txBody>
-      </p:sp>
-      <p:sp>
-        <p:nvSpPr>
-          <p:cNvPr id="230" name="Google Shape;230;g75f9465253_0_0"/>
+          <p:cNvPr id="223" name="Google Shape;223;g75f9465253_0_0"/>
           <p:cNvSpPr txBox="1"/>
           <p:nvPr/>
         </p:nvSpPr>
@@ -16248,56 +15768,80 @@
           </a:bodyPr>
           <a:lstStyle/>
           <a:p>
-            <a:pPr indent="0" lvl="0" marL="0" marR="0" rtl="0" algn="l">
-              <a:lnSpc>
-                <a:spcPct val="100000"/>
-              </a:lnSpc>
-              <a:spcBef>
-                <a:spcPts val="0"/>
-              </a:spcBef>
-              <a:spcAft>
-                <a:spcPts val="0"/>
-              </a:spcAft>
-              <a:buClr>
-                <a:srgbClr val="000000"/>
+            <a:pPr indent="0" lvl="0" marL="0" rtl="0" algn="l">
+              <a:spcBef>
+                <a:spcPts val="0"/>
+              </a:spcBef>
+              <a:spcAft>
+                <a:spcPts val="0"/>
+              </a:spcAft>
+              <a:buClr>
+                <a:schemeClr val="dk1"/>
               </a:buClr>
               <a:buSzPts val="1200"/>
               <a:buFont typeface="Arial"/>
               <a:buNone/>
             </a:pPr>
             <a:r>
-              <a:rPr b="0" i="0" lang="es-CO" sz="1200" u="none" cap="none" strike="noStrike">
+              <a:rPr lang="es-CO" sz="1200">
                 <a:solidFill>
                   <a:schemeClr val="dk1"/>
                 </a:solidFill>
-                <a:latin typeface="Arial"/>
-                <a:ea typeface="Arial"/>
-                <a:cs typeface="Arial"/>
-                <a:sym typeface="Arial"/>
               </a:rPr>
-              <a:t>6. </a:t>
+              <a:t>4</a:t>
             </a:r>
-            <a:endParaRPr b="0" i="0" sz="1200" u="none" cap="none" strike="noStrike">
+            <a:r>
+              <a:rPr lang="es-CO" sz="1200">
+                <a:solidFill>
+                  <a:schemeClr val="dk1"/>
+                </a:solidFill>
+              </a:rPr>
+              <a:t>. Permite la asignación de roles para el ingreso a los diferentes módulos y eliminación de usuarios.</a:t>
+            </a:r>
+            <a:endParaRPr sz="1200">
               <a:solidFill>
                 <a:schemeClr val="dk1"/>
               </a:solidFill>
-              <a:latin typeface="Arial"/>
-              <a:ea typeface="Arial"/>
-              <a:cs typeface="Arial"/>
-              <a:sym typeface="Arial"/>
+            </a:endParaRPr>
+          </a:p>
+          <a:p>
+            <a:pPr indent="0" lvl="0" marL="0" marR="0" rtl="0" algn="l">
+              <a:lnSpc>
+                <a:spcPct val="100000"/>
+              </a:lnSpc>
+              <a:spcBef>
+                <a:spcPts val="0"/>
+              </a:spcBef>
+              <a:spcAft>
+                <a:spcPts val="0"/>
+              </a:spcAft>
+              <a:buClr>
+                <a:srgbClr val="000000"/>
+              </a:buClr>
+              <a:buSzPts val="1200"/>
+              <a:buFont typeface="Arial"/>
+              <a:buNone/>
+            </a:pPr>
+            <a:r>
+              <a:t/>
+            </a:r>
+            <a:endParaRPr sz="1200">
+              <a:solidFill>
+                <a:schemeClr val="dk1"/>
+              </a:solidFill>
             </a:endParaRPr>
           </a:p>
         </p:txBody>
       </p:sp>
       <p:sp>
         <p:nvSpPr>
-          <p:cNvPr id="231" name="Google Shape;231;g75f9465253_0_0"/>
+          <p:cNvPr id="224" name="Google Shape;224;g75f9465253_0_0"/>
           <p:cNvSpPr txBox="1"/>
           <p:nvPr/>
         </p:nvSpPr>
         <p:spPr>
           <a:xfrm>
-            <a:off x="4392062" y="3635393"/>
+            <a:off x="4392062" y="4098093"/>
             <a:ext cx="4055100" cy="722400"/>
           </a:xfrm>
           <a:prstGeom prst="rect">
@@ -16320,149 +15864,42 @@
           </a:bodyPr>
           <a:lstStyle/>
           <a:p>
-            <a:pPr indent="0" lvl="0" marL="0" marR="0" rtl="0" algn="l">
-              <a:lnSpc>
-                <a:spcPct val="100000"/>
-              </a:lnSpc>
-              <a:spcBef>
-                <a:spcPts val="0"/>
-              </a:spcBef>
-              <a:spcAft>
-                <a:spcPts val="0"/>
-              </a:spcAft>
-              <a:buClr>
-                <a:srgbClr val="000000"/>
+            <a:pPr indent="0" lvl="0" marL="0" rtl="0" algn="l">
+              <a:spcBef>
+                <a:spcPts val="0"/>
+              </a:spcBef>
+              <a:spcAft>
+                <a:spcPts val="0"/>
+              </a:spcAft>
+              <a:buClr>
+                <a:schemeClr val="dk1"/>
               </a:buClr>
               <a:buSzPts val="1200"/>
               <a:buFont typeface="Arial"/>
               <a:buNone/>
             </a:pPr>
             <a:r>
-              <a:rPr b="0" i="0" lang="es-CO" sz="1200" u="none" cap="none" strike="noStrike">
+              <a:rPr lang="es-CO" sz="1200">
                 <a:solidFill>
                   <a:schemeClr val="dk1"/>
                 </a:solidFill>
-                <a:latin typeface="Arial"/>
-                <a:ea typeface="Arial"/>
-                <a:cs typeface="Arial"/>
-                <a:sym typeface="Arial"/>
               </a:rPr>
-              <a:t>7. </a:t>
+              <a:t>3</a:t>
             </a:r>
-            <a:endParaRPr b="0" i="0" sz="1200" u="none" cap="none" strike="noStrike">
-              <a:solidFill>
-                <a:srgbClr val="000000"/>
-              </a:solidFill>
-              <a:latin typeface="Arial"/>
-              <a:ea typeface="Arial"/>
-              <a:cs typeface="Arial"/>
-              <a:sym typeface="Arial"/>
-            </a:endParaRPr>
-          </a:p>
-        </p:txBody>
-      </p:sp>
-      <p:sp>
-        <p:nvSpPr>
-          <p:cNvPr id="232" name="Google Shape;232;g75f9465253_0_0"/>
-          <p:cNvSpPr txBox="1"/>
-          <p:nvPr/>
-        </p:nvSpPr>
-        <p:spPr>
-          <a:xfrm>
-            <a:off x="4392058" y="4383021"/>
-            <a:ext cx="4055100" cy="722400"/>
-          </a:xfrm>
-          <a:prstGeom prst="rect">
-            <a:avLst/>
-          </a:prstGeom>
-          <a:noFill/>
-          <a:ln cap="flat" cmpd="sng" w="9525">
-            <a:solidFill>
-              <a:schemeClr val="accent1"/>
-            </a:solidFill>
-            <a:prstDash val="solid"/>
-            <a:round/>
-            <a:headEnd len="sm" w="sm" type="none"/>
-            <a:tailEnd len="sm" w="sm" type="none"/>
-          </a:ln>
-        </p:spPr>
-        <p:txBody>
-          <a:bodyPr anchorCtr="0" anchor="ctr" bIns="45700" lIns="91425" spcFirstLastPara="1" rIns="91425" wrap="square" tIns="45700">
-            <a:noAutofit/>
-          </a:bodyPr>
-          <a:lstStyle/>
-          <a:p>
-            <a:pPr indent="0" lvl="0" marL="0" marR="0" rtl="0" algn="l">
-              <a:lnSpc>
-                <a:spcPct val="100000"/>
-              </a:lnSpc>
-              <a:spcBef>
-                <a:spcPts val="0"/>
-              </a:spcBef>
-              <a:spcAft>
-                <a:spcPts val="0"/>
-              </a:spcAft>
-              <a:buClr>
-                <a:srgbClr val="000000"/>
-              </a:buClr>
-              <a:buSzPts val="1200"/>
-              <a:buFont typeface="Arial"/>
-              <a:buNone/>
-            </a:pPr>
             <a:r>
-              <a:rPr b="0" i="0" lang="es-CO" sz="1200" u="none" cap="none" strike="noStrike">
+              <a:rPr lang="es-CO" sz="1200">
                 <a:solidFill>
                   <a:schemeClr val="dk1"/>
                 </a:solidFill>
-                <a:latin typeface="Arial"/>
-                <a:ea typeface="Arial"/>
-                <a:cs typeface="Arial"/>
-                <a:sym typeface="Arial"/>
               </a:rPr>
-              <a:t>8..</a:t>
+              <a:t> Encripta información confidencial de los clientes.</a:t>
             </a:r>
-            <a:endParaRPr b="0" i="0" sz="1200" u="none" cap="none" strike="noStrike">
+            <a:endParaRPr sz="1200">
               <a:solidFill>
                 <a:schemeClr val="dk1"/>
               </a:solidFill>
-              <a:latin typeface="Arial"/>
-              <a:ea typeface="Arial"/>
-              <a:cs typeface="Arial"/>
-              <a:sym typeface="Arial"/>
             </a:endParaRPr>
           </a:p>
-        </p:txBody>
-      </p:sp>
-      <p:sp>
-        <p:nvSpPr>
-          <p:cNvPr id="233" name="Google Shape;233;g75f9465253_0_0"/>
-          <p:cNvSpPr txBox="1"/>
-          <p:nvPr/>
-        </p:nvSpPr>
-        <p:spPr>
-          <a:xfrm>
-            <a:off x="4392050" y="5121795"/>
-            <a:ext cx="4055100" cy="722400"/>
-          </a:xfrm>
-          <a:prstGeom prst="rect">
-            <a:avLst/>
-          </a:prstGeom>
-          <a:noFill/>
-          <a:ln cap="flat" cmpd="sng" w="9525">
-            <a:solidFill>
-              <a:schemeClr val="accent1"/>
-            </a:solidFill>
-            <a:prstDash val="solid"/>
-            <a:round/>
-            <a:headEnd len="sm" w="sm" type="none"/>
-            <a:tailEnd len="sm" w="sm" type="none"/>
-          </a:ln>
-        </p:spPr>
-        <p:txBody>
-          <a:bodyPr anchorCtr="0" anchor="ctr" bIns="45700" lIns="91425" spcFirstLastPara="1" rIns="91425" wrap="square" tIns="45700">
-            <a:noAutofit/>
-          </a:bodyPr>
-          <a:lstStyle/>
           <a:p>
             <a:pPr indent="0" lvl="0" marL="0" marR="0" rtl="0" algn="l">
               <a:lnSpc>
@@ -16482,97 +15919,12 @@
               <a:buNone/>
             </a:pPr>
             <a:r>
-              <a:rPr b="0" i="0" lang="es-CO" sz="1200" u="none" cap="none" strike="noStrike">
-                <a:solidFill>
-                  <a:schemeClr val="dk1"/>
-                </a:solidFill>
-                <a:latin typeface="Arial"/>
-                <a:ea typeface="Arial"/>
-                <a:cs typeface="Arial"/>
-                <a:sym typeface="Arial"/>
-              </a:rPr>
-              <a:t>9..</a:t>
+              <a:t/>
             </a:r>
-            <a:endParaRPr b="0" i="0" sz="1200" u="none" cap="none" strike="noStrike">
+            <a:endParaRPr sz="1200">
               <a:solidFill>
                 <a:schemeClr val="dk1"/>
               </a:solidFill>
-              <a:latin typeface="Arial"/>
-              <a:ea typeface="Arial"/>
-              <a:cs typeface="Arial"/>
-              <a:sym typeface="Arial"/>
-            </a:endParaRPr>
-          </a:p>
-        </p:txBody>
-      </p:sp>
-      <p:sp>
-        <p:nvSpPr>
-          <p:cNvPr id="234" name="Google Shape;234;g75f9465253_0_0"/>
-          <p:cNvSpPr txBox="1"/>
-          <p:nvPr/>
-        </p:nvSpPr>
-        <p:spPr>
-          <a:xfrm>
-            <a:off x="4392050" y="5842824"/>
-            <a:ext cx="4055100" cy="722400"/>
-          </a:xfrm>
-          <a:prstGeom prst="rect">
-            <a:avLst/>
-          </a:prstGeom>
-          <a:noFill/>
-          <a:ln cap="flat" cmpd="sng" w="9525">
-            <a:solidFill>
-              <a:schemeClr val="accent1"/>
-            </a:solidFill>
-            <a:prstDash val="solid"/>
-            <a:round/>
-            <a:headEnd len="sm" w="sm" type="none"/>
-            <a:tailEnd len="sm" w="sm" type="none"/>
-          </a:ln>
-        </p:spPr>
-        <p:txBody>
-          <a:bodyPr anchorCtr="0" anchor="ctr" bIns="45700" lIns="91425" spcFirstLastPara="1" rIns="91425" wrap="square" tIns="45700">
-            <a:noAutofit/>
-          </a:bodyPr>
-          <a:lstStyle/>
-          <a:p>
-            <a:pPr indent="0" lvl="0" marL="0" marR="0" rtl="0" algn="l">
-              <a:lnSpc>
-                <a:spcPct val="100000"/>
-              </a:lnSpc>
-              <a:spcBef>
-                <a:spcPts val="0"/>
-              </a:spcBef>
-              <a:spcAft>
-                <a:spcPts val="0"/>
-              </a:spcAft>
-              <a:buClr>
-                <a:srgbClr val="000000"/>
-              </a:buClr>
-              <a:buSzPts val="1200"/>
-              <a:buFont typeface="Arial"/>
-              <a:buNone/>
-            </a:pPr>
-            <a:r>
-              <a:rPr b="0" i="0" lang="es-CO" sz="1200" u="none" cap="none" strike="noStrike">
-                <a:solidFill>
-                  <a:schemeClr val="dk1"/>
-                </a:solidFill>
-                <a:latin typeface="Arial"/>
-                <a:ea typeface="Arial"/>
-                <a:cs typeface="Arial"/>
-                <a:sym typeface="Arial"/>
-              </a:rPr>
-              <a:t>10. </a:t>
-            </a:r>
-            <a:endParaRPr b="0" i="0" sz="1200" u="none" cap="none" strike="noStrike">
-              <a:solidFill>
-                <a:schemeClr val="dk1"/>
-              </a:solidFill>
-              <a:latin typeface="Arial"/>
-              <a:ea typeface="Arial"/>
-              <a:cs typeface="Arial"/>
-              <a:sym typeface="Arial"/>
             </a:endParaRPr>
           </a:p>
         </p:txBody>
@@ -16586,11 +15938,11 @@
 </file>
 
 <file path=ppt/slides/slide13.xml><?xml version="1.0" encoding="utf-8"?>
-<p:sld xmlns:a="http://schemas.openxmlformats.org/drawingml/2006/main" xmlns:r="http://schemas.openxmlformats.org/officeDocument/2006/relationships" xmlns:mc="http://schemas.openxmlformats.org/markup-compatibility/2006" xmlns:mv="urn:schemas-microsoft-com:mac:vml" xmlns:p="http://schemas.openxmlformats.org/presentationml/2006/main" xmlns:c="http://schemas.openxmlformats.org/drawingml/2006/chart" xmlns:dgm="http://schemas.openxmlformats.org/drawingml/2006/diagram" xmlns:o="urn:schemas-microsoft-com:office:office" xmlns:v="urn:schemas-microsoft-com:vml" xmlns:pvml="urn:schemas-microsoft-com:office:powerpoint" xmlns:com="http://schemas.openxmlformats.org/drawingml/2006/compatibility" xmlns:p14="http://schemas.microsoft.com/office/powerpoint/2010/main" xmlns:p15="http://schemas.microsoft.com/office/powerpoint/2012/main">
+<p:sld xmlns:a="http://schemas.openxmlformats.org/drawingml/2006/main" xmlns:r="http://schemas.openxmlformats.org/officeDocument/2006/relationships" xmlns:mc="http://schemas.openxmlformats.org/markup-compatibility/2006" xmlns:mv="urn:schemas-microsoft-com:mac:vml" xmlns:p="http://schemas.openxmlformats.org/presentationml/2006/main" xmlns:c="http://schemas.openxmlformats.org/drawingml/2006/chart" xmlns:dgm="http://schemas.openxmlformats.org/drawingml/2006/diagram" xmlns:o="urn:schemas-microsoft-com:office:office" xmlns:v="urn:schemas-microsoft-com:vml" xmlns:pvml="urn:schemas-microsoft-com:office:powerpoint" xmlns:com="http://schemas.openxmlformats.org/drawingml/2006/compatibility" xmlns:p14="http://schemas.microsoft.com/office/powerpoint/2010/main" xmlns:p15="http://schemas.microsoft.com/office/powerpoint/2012/main" xmlns:ahyp="http://schemas.microsoft.com/office/drawing/2018/hyperlinkcolor">
   <p:cSld>
     <p:spTree>
       <p:nvGrpSpPr>
-        <p:cNvPr id="238" name="Shape 238"/>
+        <p:cNvPr id="228" name="Shape 228"/>
         <p:cNvGrpSpPr/>
         <p:nvPr/>
       </p:nvGrpSpPr>
@@ -16604,7 +15956,7 @@
       </p:grpSpPr>
       <p:sp>
         <p:nvSpPr>
-          <p:cNvPr id="239" name="Google Shape;239;g6c60467031_2_14"/>
+          <p:cNvPr id="229" name="Google Shape;229;g6c60467031_2_14"/>
           <p:cNvSpPr txBox="1"/>
           <p:nvPr/>
         </p:nvSpPr>
@@ -16670,7 +16022,7 @@
       </p:sp>
       <p:sp>
         <p:nvSpPr>
-          <p:cNvPr id="240" name="Google Shape;240;g6c60467031_2_14"/>
+          <p:cNvPr id="230" name="Google Shape;230;g6c60467031_2_14"/>
           <p:cNvSpPr/>
           <p:nvPr/>
         </p:nvSpPr>
@@ -16736,7 +16088,7 @@
       </p:sp>
       <p:pic>
         <p:nvPicPr>
-          <p:cNvPr id="241" name="Google Shape;241;g6c60467031_2_14"/>
+          <p:cNvPr id="231" name="Google Shape;231;g6c60467031_2_14"/>
           <p:cNvPicPr preferRelativeResize="0"/>
           <p:nvPr/>
         </p:nvPicPr>
@@ -16763,7 +16115,7 @@
       </p:pic>
       <p:pic>
         <p:nvPicPr>
-          <p:cNvPr id="242" name="Google Shape;242;g6c60467031_2_14"/>
+          <p:cNvPr id="232" name="Google Shape;232;g6c60467031_2_14"/>
           <p:cNvPicPr preferRelativeResize="0"/>
           <p:nvPr/>
         </p:nvPicPr>
@@ -16797,11 +16149,11 @@
 </file>
 
 <file path=ppt/slides/slide14.xml><?xml version="1.0" encoding="utf-8"?>
-<p:sld xmlns:a="http://schemas.openxmlformats.org/drawingml/2006/main" xmlns:r="http://schemas.openxmlformats.org/officeDocument/2006/relationships" xmlns:mc="http://schemas.openxmlformats.org/markup-compatibility/2006" xmlns:mv="urn:schemas-microsoft-com:mac:vml" xmlns:p="http://schemas.openxmlformats.org/presentationml/2006/main" xmlns:c="http://schemas.openxmlformats.org/drawingml/2006/chart" xmlns:dgm="http://schemas.openxmlformats.org/drawingml/2006/diagram" xmlns:o="urn:schemas-microsoft-com:office:office" xmlns:v="urn:schemas-microsoft-com:vml" xmlns:pvml="urn:schemas-microsoft-com:office:powerpoint" xmlns:com="http://schemas.openxmlformats.org/drawingml/2006/compatibility" xmlns:p14="http://schemas.microsoft.com/office/powerpoint/2010/main" xmlns:p15="http://schemas.microsoft.com/office/powerpoint/2012/main">
+<p:sld xmlns:a="http://schemas.openxmlformats.org/drawingml/2006/main" xmlns:r="http://schemas.openxmlformats.org/officeDocument/2006/relationships" xmlns:mc="http://schemas.openxmlformats.org/markup-compatibility/2006" xmlns:mv="urn:schemas-microsoft-com:mac:vml" xmlns:p="http://schemas.openxmlformats.org/presentationml/2006/main" xmlns:c="http://schemas.openxmlformats.org/drawingml/2006/chart" xmlns:dgm="http://schemas.openxmlformats.org/drawingml/2006/diagram" xmlns:o="urn:schemas-microsoft-com:office:office" xmlns:v="urn:schemas-microsoft-com:vml" xmlns:pvml="urn:schemas-microsoft-com:office:powerpoint" xmlns:com="http://schemas.openxmlformats.org/drawingml/2006/compatibility" xmlns:p14="http://schemas.microsoft.com/office/powerpoint/2010/main" xmlns:p15="http://schemas.microsoft.com/office/powerpoint/2012/main" xmlns:ahyp="http://schemas.microsoft.com/office/drawing/2018/hyperlinkcolor">
   <p:cSld>
     <p:spTree>
       <p:nvGrpSpPr>
-        <p:cNvPr id="246" name="Shape 246"/>
+        <p:cNvPr id="236" name="Shape 236"/>
         <p:cNvGrpSpPr/>
         <p:nvPr/>
       </p:nvGrpSpPr>
@@ -16815,7 +16167,7 @@
       </p:grpSpPr>
       <p:sp>
         <p:nvSpPr>
-          <p:cNvPr id="247" name="Google Shape;247;g75f729deb0_1_2"/>
+          <p:cNvPr id="237" name="Google Shape;237;g75f729deb0_1_2"/>
           <p:cNvSpPr txBox="1"/>
           <p:nvPr/>
         </p:nvSpPr>
@@ -16881,7 +16233,7 @@
       </p:sp>
       <p:pic>
         <p:nvPicPr>
-          <p:cNvPr id="248" name="Google Shape;248;g75f729deb0_1_2"/>
+          <p:cNvPr id="238" name="Google Shape;238;g75f729deb0_1_2"/>
           <p:cNvPicPr preferRelativeResize="0"/>
           <p:nvPr/>
         </p:nvPicPr>
@@ -16908,7 +16260,7 @@
       </p:pic>
       <p:pic>
         <p:nvPicPr>
-          <p:cNvPr id="249" name="Google Shape;249;g75f729deb0_1_2"/>
+          <p:cNvPr id="239" name="Google Shape;239;g75f729deb0_1_2"/>
           <p:cNvPicPr preferRelativeResize="0"/>
           <p:nvPr/>
         </p:nvPicPr>
@@ -16935,7 +16287,7 @@
       </p:pic>
       <p:pic>
         <p:nvPicPr>
-          <p:cNvPr descr="Gráfico de respuestas de formularios. Título de la pregunta: Le parece más práctico realizar un agendamiento de citas online . Número de respuestas: 20 respuestas." id="250" name="Google Shape;250;g75f729deb0_1_2"/>
+          <p:cNvPr descr="Gráfico de respuestas de formularios. Título de la pregunta: Le parece más práctico realizar un agendamiento de citas online . Número de respuestas: 20 respuestas." id="240" name="Google Shape;240;g75f729deb0_1_2"/>
           <p:cNvPicPr preferRelativeResize="0"/>
           <p:nvPr/>
         </p:nvPicPr>
@@ -16962,7 +16314,7 @@
       </p:pic>
       <p:pic>
         <p:nvPicPr>
-          <p:cNvPr descr="Gráfico de respuestas de formularios. Título de la pregunta: Considera que este servicio  suple las necesidades a nivel usuarios y/o institucionales en el agendamiento de citas. . Número de respuestas: 19 respuestas." id="251" name="Google Shape;251;g75f729deb0_1_2"/>
+          <p:cNvPr descr="Gráfico de respuestas de formularios. Título de la pregunta: Considera que este servicio  suple las necesidades a nivel usuarios y/o institucionales en el agendamiento de citas. . Número de respuestas: 19 respuestas." id="241" name="Google Shape;241;g75f729deb0_1_2"/>
           <p:cNvPicPr preferRelativeResize="0"/>
           <p:nvPr/>
         </p:nvPicPr>
@@ -16989,7 +16341,7 @@
       </p:pic>
       <p:pic>
         <p:nvPicPr>
-          <p:cNvPr id="252" name="Google Shape;252;g75f729deb0_1_2"/>
+          <p:cNvPr id="242" name="Google Shape;242;g75f729deb0_1_2"/>
           <p:cNvPicPr preferRelativeResize="0"/>
           <p:nvPr/>
         </p:nvPicPr>
@@ -17023,11 +16375,11 @@
 </file>
 
 <file path=ppt/slides/slide15.xml><?xml version="1.0" encoding="utf-8"?>
-<p:sld xmlns:a="http://schemas.openxmlformats.org/drawingml/2006/main" xmlns:r="http://schemas.openxmlformats.org/officeDocument/2006/relationships" xmlns:mc="http://schemas.openxmlformats.org/markup-compatibility/2006" xmlns:mv="urn:schemas-microsoft-com:mac:vml" xmlns:p="http://schemas.openxmlformats.org/presentationml/2006/main" xmlns:c="http://schemas.openxmlformats.org/drawingml/2006/chart" xmlns:dgm="http://schemas.openxmlformats.org/drawingml/2006/diagram" xmlns:o="urn:schemas-microsoft-com:office:office" xmlns:v="urn:schemas-microsoft-com:vml" xmlns:pvml="urn:schemas-microsoft-com:office:powerpoint" xmlns:com="http://schemas.openxmlformats.org/drawingml/2006/compatibility" xmlns:p14="http://schemas.microsoft.com/office/powerpoint/2010/main" xmlns:p15="http://schemas.microsoft.com/office/powerpoint/2012/main">
+<p:sld xmlns:a="http://schemas.openxmlformats.org/drawingml/2006/main" xmlns:r="http://schemas.openxmlformats.org/officeDocument/2006/relationships" xmlns:mc="http://schemas.openxmlformats.org/markup-compatibility/2006" xmlns:mv="urn:schemas-microsoft-com:mac:vml" xmlns:p="http://schemas.openxmlformats.org/presentationml/2006/main" xmlns:c="http://schemas.openxmlformats.org/drawingml/2006/chart" xmlns:dgm="http://schemas.openxmlformats.org/drawingml/2006/diagram" xmlns:o="urn:schemas-microsoft-com:office:office" xmlns:v="urn:schemas-microsoft-com:vml" xmlns:pvml="urn:schemas-microsoft-com:office:powerpoint" xmlns:com="http://schemas.openxmlformats.org/drawingml/2006/compatibility" xmlns:p14="http://schemas.microsoft.com/office/powerpoint/2010/main" xmlns:p15="http://schemas.microsoft.com/office/powerpoint/2012/main" xmlns:ahyp="http://schemas.microsoft.com/office/drawing/2018/hyperlinkcolor">
   <p:cSld>
     <p:spTree>
       <p:nvGrpSpPr>
-        <p:cNvPr id="256" name="Shape 256"/>
+        <p:cNvPr id="246" name="Shape 246"/>
         <p:cNvGrpSpPr/>
         <p:nvPr/>
       </p:nvGrpSpPr>
@@ -17041,7 +16393,7 @@
       </p:grpSpPr>
       <p:sp>
         <p:nvSpPr>
-          <p:cNvPr id="257" name="Google Shape;257;g75f8ec955b_0_4"/>
+          <p:cNvPr id="247" name="Google Shape;247;g75f8ec955b_0_4"/>
           <p:cNvSpPr txBox="1"/>
           <p:nvPr/>
         </p:nvSpPr>
@@ -17107,21 +16459,22 @@
       </p:sp>
       <p:pic>
         <p:nvPicPr>
-          <p:cNvPr id="258" name="Google Shape;258;g75f8ec955b_0_4"/>
+          <p:cNvPr id="248" name="Google Shape;248;g75f8ec955b_0_4"/>
           <p:cNvPicPr preferRelativeResize="0"/>
           <p:nvPr/>
         </p:nvPicPr>
-        <p:blipFill rotWithShape="1">
+        <p:blipFill>
           <a:blip r:embed="rId3">
             <a:alphaModFix/>
           </a:blip>
-          <a:srcRect b="0" l="0" r="0" t="0"/>
-          <a:stretch/>
+          <a:stretch>
+            <a:fillRect/>
+          </a:stretch>
         </p:blipFill>
         <p:spPr>
           <a:xfrm>
-            <a:off x="243450" y="1668425"/>
-            <a:ext cx="8779426" cy="5250250"/>
+            <a:off x="156400" y="1701175"/>
+            <a:ext cx="8831026" cy="5007324"/>
           </a:xfrm>
           <a:prstGeom prst="rect">
             <a:avLst/>
@@ -17141,11 +16494,11 @@
 </file>
 
 <file path=ppt/slides/slide16.xml><?xml version="1.0" encoding="utf-8"?>
-<p:sld xmlns:a="http://schemas.openxmlformats.org/drawingml/2006/main" xmlns:r="http://schemas.openxmlformats.org/officeDocument/2006/relationships" xmlns:mc="http://schemas.openxmlformats.org/markup-compatibility/2006" xmlns:mv="urn:schemas-microsoft-com:mac:vml" xmlns:p="http://schemas.openxmlformats.org/presentationml/2006/main" xmlns:c="http://schemas.openxmlformats.org/drawingml/2006/chart" xmlns:dgm="http://schemas.openxmlformats.org/drawingml/2006/diagram" xmlns:o="urn:schemas-microsoft-com:office:office" xmlns:v="urn:schemas-microsoft-com:vml" xmlns:pvml="urn:schemas-microsoft-com:office:powerpoint" xmlns:com="http://schemas.openxmlformats.org/drawingml/2006/compatibility" xmlns:p14="http://schemas.microsoft.com/office/powerpoint/2010/main" xmlns:p15="http://schemas.microsoft.com/office/powerpoint/2012/main">
+<p:sld xmlns:a="http://schemas.openxmlformats.org/drawingml/2006/main" xmlns:r="http://schemas.openxmlformats.org/officeDocument/2006/relationships" xmlns:mc="http://schemas.openxmlformats.org/markup-compatibility/2006" xmlns:mv="urn:schemas-microsoft-com:mac:vml" xmlns:p="http://schemas.openxmlformats.org/presentationml/2006/main" xmlns:c="http://schemas.openxmlformats.org/drawingml/2006/chart" xmlns:dgm="http://schemas.openxmlformats.org/drawingml/2006/diagram" xmlns:o="urn:schemas-microsoft-com:office:office" xmlns:v="urn:schemas-microsoft-com:vml" xmlns:pvml="urn:schemas-microsoft-com:office:powerpoint" xmlns:com="http://schemas.openxmlformats.org/drawingml/2006/compatibility" xmlns:p14="http://schemas.microsoft.com/office/powerpoint/2010/main" xmlns:p15="http://schemas.microsoft.com/office/powerpoint/2012/main" xmlns:ahyp="http://schemas.microsoft.com/office/drawing/2018/hyperlinkcolor">
   <p:cSld>
     <p:spTree>
       <p:nvGrpSpPr>
-        <p:cNvPr id="262" name="Shape 262"/>
+        <p:cNvPr id="252" name="Shape 252"/>
         <p:cNvGrpSpPr/>
         <p:nvPr/>
       </p:nvGrpSpPr>
@@ -17159,7 +16512,7 @@
       </p:grpSpPr>
       <p:sp>
         <p:nvSpPr>
-          <p:cNvPr id="263" name="Google Shape;263;g75f8ec955b_1_0"/>
+          <p:cNvPr id="253" name="Google Shape;253;g6c60467031_2_9"/>
           <p:cNvSpPr txBox="1"/>
           <p:nvPr/>
         </p:nvSpPr>
@@ -17209,124 +16562,6 @@
                 <a:cs typeface="Calibri"/>
                 <a:sym typeface="Calibri"/>
               </a:rPr>
-              <a:t>Diagrama de Flujo</a:t>
-            </a:r>
-            <a:endParaRPr b="0" i="0" sz="5400" u="none" cap="none" strike="noStrike">
-              <a:solidFill>
-                <a:schemeClr val="lt1"/>
-              </a:solidFill>
-              <a:latin typeface="Calibri"/>
-              <a:ea typeface="Calibri"/>
-              <a:cs typeface="Calibri"/>
-              <a:sym typeface="Calibri"/>
-            </a:endParaRPr>
-          </a:p>
-        </p:txBody>
-      </p:sp>
-      <p:pic>
-        <p:nvPicPr>
-          <p:cNvPr id="264" name="Google Shape;264;g75f8ec955b_1_0"/>
-          <p:cNvPicPr preferRelativeResize="0"/>
-          <p:nvPr/>
-        </p:nvPicPr>
-        <p:blipFill rotWithShape="1">
-          <a:blip r:embed="rId3">
-            <a:alphaModFix/>
-          </a:blip>
-          <a:srcRect b="0" l="0" r="0" t="0"/>
-          <a:stretch/>
-        </p:blipFill>
-        <p:spPr>
-          <a:xfrm>
-            <a:off x="2509200" y="1607747"/>
-            <a:ext cx="4611123" cy="5097853"/>
-          </a:xfrm>
-          <a:prstGeom prst="rect">
-            <a:avLst/>
-          </a:prstGeom>
-          <a:noFill/>
-          <a:ln>
-            <a:noFill/>
-          </a:ln>
-        </p:spPr>
-      </p:pic>
-    </p:spTree>
-  </p:cSld>
-  <p:clrMapOvr>
-    <a:masterClrMapping/>
-  </p:clrMapOvr>
-</p:sld>
-</file>
-
-<file path=ppt/slides/slide17.xml><?xml version="1.0" encoding="utf-8"?>
-<p:sld xmlns:a="http://schemas.openxmlformats.org/drawingml/2006/main" xmlns:r="http://schemas.openxmlformats.org/officeDocument/2006/relationships" xmlns:mc="http://schemas.openxmlformats.org/markup-compatibility/2006" xmlns:mv="urn:schemas-microsoft-com:mac:vml" xmlns:p="http://schemas.openxmlformats.org/presentationml/2006/main" xmlns:c="http://schemas.openxmlformats.org/drawingml/2006/chart" xmlns:dgm="http://schemas.openxmlformats.org/drawingml/2006/diagram" xmlns:o="urn:schemas-microsoft-com:office:office" xmlns:v="urn:schemas-microsoft-com:vml" xmlns:pvml="urn:schemas-microsoft-com:office:powerpoint" xmlns:com="http://schemas.openxmlformats.org/drawingml/2006/compatibility" xmlns:p14="http://schemas.microsoft.com/office/powerpoint/2010/main" xmlns:p15="http://schemas.microsoft.com/office/powerpoint/2012/main">
-  <p:cSld>
-    <p:spTree>
-      <p:nvGrpSpPr>
-        <p:cNvPr id="268" name="Shape 268"/>
-        <p:cNvGrpSpPr/>
-        <p:nvPr/>
-      </p:nvGrpSpPr>
-      <p:grpSpPr>
-        <a:xfrm>
-          <a:off x="0" y="0"/>
-          <a:ext cx="0" cy="0"/>
-          <a:chOff x="0" y="0"/>
-          <a:chExt cx="0" cy="0"/>
-        </a:xfrm>
-      </p:grpSpPr>
-      <p:sp>
-        <p:nvSpPr>
-          <p:cNvPr id="269" name="Google Shape;269;g6c60467031_2_9"/>
-          <p:cNvSpPr txBox="1"/>
-          <p:nvPr/>
-        </p:nvSpPr>
-        <p:spPr>
-          <a:xfrm>
-            <a:off x="623935" y="567647"/>
-            <a:ext cx="7896000" cy="887700"/>
-          </a:xfrm>
-          <a:prstGeom prst="rect">
-            <a:avLst/>
-          </a:prstGeom>
-          <a:noFill/>
-          <a:ln>
-            <a:noFill/>
-          </a:ln>
-        </p:spPr>
-        <p:txBody>
-          <a:bodyPr anchorCtr="0" anchor="ctr" bIns="45700" lIns="91425" spcFirstLastPara="1" rIns="91425" wrap="square" tIns="45700">
-            <a:noAutofit/>
-          </a:bodyPr>
-          <a:lstStyle/>
-          <a:p>
-            <a:pPr indent="0" lvl="0" marL="0" marR="0" rtl="0" algn="l">
-              <a:lnSpc>
-                <a:spcPct val="100000"/>
-              </a:lnSpc>
-              <a:spcBef>
-                <a:spcPts val="0"/>
-              </a:spcBef>
-              <a:spcAft>
-                <a:spcPts val="0"/>
-              </a:spcAft>
-              <a:buClr>
-                <a:schemeClr val="lt1"/>
-              </a:buClr>
-              <a:buSzPts val="5400"/>
-              <a:buFont typeface="Calibri"/>
-              <a:buNone/>
-            </a:pPr>
-            <a:r>
-              <a:rPr b="0" i="0" lang="es-CO" sz="5400" u="none" cap="none" strike="noStrike">
-                <a:solidFill>
-                  <a:schemeClr val="lt1"/>
-                </a:solidFill>
-                <a:latin typeface="Calibri"/>
-                <a:ea typeface="Calibri"/>
-                <a:cs typeface="Calibri"/>
-                <a:sym typeface="Calibri"/>
-              </a:rPr>
               <a:t>Github Repositorio</a:t>
             </a:r>
             <a:endParaRPr b="0" i="0" sz="5400" u="none" cap="none" strike="noStrike">
@@ -17343,7 +16578,7 @@
       </p:sp>
       <p:sp>
         <p:nvSpPr>
-          <p:cNvPr id="270" name="Google Shape;270;g6c60467031_2_9"/>
+          <p:cNvPr id="254" name="Google Shape;254;g6c60467031_2_9"/>
           <p:cNvSpPr/>
           <p:nvPr/>
         </p:nvSpPr>
@@ -17468,12 +16703,12 @@
 </p:sld>
 </file>
 
-<file path=ppt/slides/slide18.xml><?xml version="1.0" encoding="utf-8"?>
-<p:sld xmlns:a="http://schemas.openxmlformats.org/drawingml/2006/main" xmlns:r="http://schemas.openxmlformats.org/officeDocument/2006/relationships" xmlns:mc="http://schemas.openxmlformats.org/markup-compatibility/2006" xmlns:mv="urn:schemas-microsoft-com:mac:vml" xmlns:p="http://schemas.openxmlformats.org/presentationml/2006/main" xmlns:c="http://schemas.openxmlformats.org/drawingml/2006/chart" xmlns:dgm="http://schemas.openxmlformats.org/drawingml/2006/diagram" xmlns:o="urn:schemas-microsoft-com:office:office" xmlns:v="urn:schemas-microsoft-com:vml" xmlns:pvml="urn:schemas-microsoft-com:office:powerpoint" xmlns:com="http://schemas.openxmlformats.org/drawingml/2006/compatibility" xmlns:p14="http://schemas.microsoft.com/office/powerpoint/2010/main" xmlns:p15="http://schemas.microsoft.com/office/powerpoint/2012/main">
+<file path=ppt/slides/slide17.xml><?xml version="1.0" encoding="utf-8"?>
+<p:sld xmlns:a="http://schemas.openxmlformats.org/drawingml/2006/main" xmlns:r="http://schemas.openxmlformats.org/officeDocument/2006/relationships" xmlns:mc="http://schemas.openxmlformats.org/markup-compatibility/2006" xmlns:mv="urn:schemas-microsoft-com:mac:vml" xmlns:p="http://schemas.openxmlformats.org/presentationml/2006/main" xmlns:c="http://schemas.openxmlformats.org/drawingml/2006/chart" xmlns:dgm="http://schemas.openxmlformats.org/drawingml/2006/diagram" xmlns:o="urn:schemas-microsoft-com:office:office" xmlns:v="urn:schemas-microsoft-com:vml" xmlns:pvml="urn:schemas-microsoft-com:office:powerpoint" xmlns:com="http://schemas.openxmlformats.org/drawingml/2006/compatibility" xmlns:p14="http://schemas.microsoft.com/office/powerpoint/2010/main" xmlns:p15="http://schemas.microsoft.com/office/powerpoint/2012/main" xmlns:ahyp="http://schemas.microsoft.com/office/drawing/2018/hyperlinkcolor">
   <p:cSld>
     <p:spTree>
       <p:nvGrpSpPr>
-        <p:cNvPr id="274" name="Shape 274"/>
+        <p:cNvPr id="258" name="Shape 258"/>
         <p:cNvGrpSpPr/>
         <p:nvPr/>
       </p:nvGrpSpPr>
@@ -17487,7 +16722,7 @@
       </p:grpSpPr>
       <p:pic>
         <p:nvPicPr>
-          <p:cNvPr id="275" name="Google Shape;275;p11"/>
+          <p:cNvPr id="259" name="Google Shape;259;p11"/>
           <p:cNvPicPr preferRelativeResize="0"/>
           <p:nvPr/>
         </p:nvPicPr>
@@ -17514,7 +16749,7 @@
       </p:pic>
       <p:sp>
         <p:nvSpPr>
-          <p:cNvPr id="276" name="Google Shape;276;p11"/>
+          <p:cNvPr id="260" name="Google Shape;260;p11"/>
           <p:cNvSpPr txBox="1"/>
           <p:nvPr/>
         </p:nvSpPr>
@@ -17580,7 +16815,7 @@
       </p:sp>
       <p:pic>
         <p:nvPicPr>
-          <p:cNvPr id="277" name="Google Shape;277;p11"/>
+          <p:cNvPr id="261" name="Google Shape;261;p11"/>
           <p:cNvPicPr preferRelativeResize="0"/>
           <p:nvPr/>
         </p:nvPicPr>
@@ -17614,7 +16849,7 @@
 </file>
 
 <file path=ppt/slides/slide2.xml><?xml version="1.0" encoding="utf-8"?>
-<p:sld xmlns:a="http://schemas.openxmlformats.org/drawingml/2006/main" xmlns:r="http://schemas.openxmlformats.org/officeDocument/2006/relationships" xmlns:mc="http://schemas.openxmlformats.org/markup-compatibility/2006" xmlns:mv="urn:schemas-microsoft-com:mac:vml" xmlns:p="http://schemas.openxmlformats.org/presentationml/2006/main" xmlns:c="http://schemas.openxmlformats.org/drawingml/2006/chart" xmlns:dgm="http://schemas.openxmlformats.org/drawingml/2006/diagram" xmlns:o="urn:schemas-microsoft-com:office:office" xmlns:v="urn:schemas-microsoft-com:vml" xmlns:pvml="urn:schemas-microsoft-com:office:powerpoint" xmlns:com="http://schemas.openxmlformats.org/drawingml/2006/compatibility" xmlns:p14="http://schemas.microsoft.com/office/powerpoint/2010/main" xmlns:p15="http://schemas.microsoft.com/office/powerpoint/2012/main">
+<p:sld xmlns:a="http://schemas.openxmlformats.org/drawingml/2006/main" xmlns:r="http://schemas.openxmlformats.org/officeDocument/2006/relationships" xmlns:mc="http://schemas.openxmlformats.org/markup-compatibility/2006" xmlns:mv="urn:schemas-microsoft-com:mac:vml" xmlns:p="http://schemas.openxmlformats.org/presentationml/2006/main" xmlns:c="http://schemas.openxmlformats.org/drawingml/2006/chart" xmlns:dgm="http://schemas.openxmlformats.org/drawingml/2006/diagram" xmlns:o="urn:schemas-microsoft-com:office:office" xmlns:v="urn:schemas-microsoft-com:vml" xmlns:pvml="urn:schemas-microsoft-com:office:powerpoint" xmlns:com="http://schemas.openxmlformats.org/drawingml/2006/compatibility" xmlns:p14="http://schemas.microsoft.com/office/powerpoint/2010/main" xmlns:p15="http://schemas.microsoft.com/office/powerpoint/2012/main" xmlns:ahyp="http://schemas.microsoft.com/office/drawing/2018/hyperlinkcolor">
   <p:cSld>
     <p:spTree>
       <p:nvGrpSpPr>
@@ -17764,7 +16999,7 @@
 </file>
 
 <file path=ppt/slides/slide3.xml><?xml version="1.0" encoding="utf-8"?>
-<p:sld xmlns:a="http://schemas.openxmlformats.org/drawingml/2006/main" xmlns:r="http://schemas.openxmlformats.org/officeDocument/2006/relationships" xmlns:mc="http://schemas.openxmlformats.org/markup-compatibility/2006" xmlns:mv="urn:schemas-microsoft-com:mac:vml" xmlns:p="http://schemas.openxmlformats.org/presentationml/2006/main" xmlns:c="http://schemas.openxmlformats.org/drawingml/2006/chart" xmlns:dgm="http://schemas.openxmlformats.org/drawingml/2006/diagram" xmlns:o="urn:schemas-microsoft-com:office:office" xmlns:v="urn:schemas-microsoft-com:vml" xmlns:pvml="urn:schemas-microsoft-com:office:powerpoint" xmlns:com="http://schemas.openxmlformats.org/drawingml/2006/compatibility" xmlns:p14="http://schemas.microsoft.com/office/powerpoint/2010/main" xmlns:p15="http://schemas.microsoft.com/office/powerpoint/2012/main">
+<p:sld xmlns:a="http://schemas.openxmlformats.org/drawingml/2006/main" xmlns:r="http://schemas.openxmlformats.org/officeDocument/2006/relationships" xmlns:mc="http://schemas.openxmlformats.org/markup-compatibility/2006" xmlns:mv="urn:schemas-microsoft-com:mac:vml" xmlns:p="http://schemas.openxmlformats.org/presentationml/2006/main" xmlns:c="http://schemas.openxmlformats.org/drawingml/2006/chart" xmlns:dgm="http://schemas.openxmlformats.org/drawingml/2006/diagram" xmlns:o="urn:schemas-microsoft-com:office:office" xmlns:v="urn:schemas-microsoft-com:vml" xmlns:pvml="urn:schemas-microsoft-com:office:powerpoint" xmlns:com="http://schemas.openxmlformats.org/drawingml/2006/compatibility" xmlns:p14="http://schemas.microsoft.com/office/powerpoint/2010/main" xmlns:p15="http://schemas.microsoft.com/office/powerpoint/2012/main" xmlns:ahyp="http://schemas.microsoft.com/office/drawing/2018/hyperlinkcolor">
   <p:cSld>
     <p:bg>
       <p:bgPr>
@@ -18189,7 +17424,7 @@
 </file>
 
 <file path=ppt/slides/slide4.xml><?xml version="1.0" encoding="utf-8"?>
-<p:sld xmlns:a="http://schemas.openxmlformats.org/drawingml/2006/main" xmlns:r="http://schemas.openxmlformats.org/officeDocument/2006/relationships" xmlns:mc="http://schemas.openxmlformats.org/markup-compatibility/2006" xmlns:mv="urn:schemas-microsoft-com:mac:vml" xmlns:p="http://schemas.openxmlformats.org/presentationml/2006/main" xmlns:c="http://schemas.openxmlformats.org/drawingml/2006/chart" xmlns:dgm="http://schemas.openxmlformats.org/drawingml/2006/diagram" xmlns:o="urn:schemas-microsoft-com:office:office" xmlns:v="urn:schemas-microsoft-com:vml" xmlns:pvml="urn:schemas-microsoft-com:office:powerpoint" xmlns:com="http://schemas.openxmlformats.org/drawingml/2006/compatibility" xmlns:p14="http://schemas.microsoft.com/office/powerpoint/2010/main" xmlns:p15="http://schemas.microsoft.com/office/powerpoint/2012/main">
+<p:sld xmlns:a="http://schemas.openxmlformats.org/drawingml/2006/main" xmlns:r="http://schemas.openxmlformats.org/officeDocument/2006/relationships" xmlns:mc="http://schemas.openxmlformats.org/markup-compatibility/2006" xmlns:mv="urn:schemas-microsoft-com:mac:vml" xmlns:p="http://schemas.openxmlformats.org/presentationml/2006/main" xmlns:c="http://schemas.openxmlformats.org/drawingml/2006/chart" xmlns:dgm="http://schemas.openxmlformats.org/drawingml/2006/diagram" xmlns:o="urn:schemas-microsoft-com:office:office" xmlns:v="urn:schemas-microsoft-com:vml" xmlns:pvml="urn:schemas-microsoft-com:office:powerpoint" xmlns:com="http://schemas.openxmlformats.org/drawingml/2006/compatibility" xmlns:p14="http://schemas.microsoft.com/office/powerpoint/2010/main" xmlns:p15="http://schemas.microsoft.com/office/powerpoint/2012/main" xmlns:ahyp="http://schemas.microsoft.com/office/drawing/2018/hyperlinkcolor">
   <p:cSld>
     <p:spTree>
       <p:nvGrpSpPr>
@@ -19431,7 +18666,7 @@
 </file>
 
 <file path=ppt/slides/slide5.xml><?xml version="1.0" encoding="utf-8"?>
-<p:sld xmlns:a="http://schemas.openxmlformats.org/drawingml/2006/main" xmlns:r="http://schemas.openxmlformats.org/officeDocument/2006/relationships" xmlns:mc="http://schemas.openxmlformats.org/markup-compatibility/2006" xmlns:mv="urn:schemas-microsoft-com:mac:vml" xmlns:p="http://schemas.openxmlformats.org/presentationml/2006/main" xmlns:c="http://schemas.openxmlformats.org/drawingml/2006/chart" xmlns:dgm="http://schemas.openxmlformats.org/drawingml/2006/diagram" xmlns:o="urn:schemas-microsoft-com:office:office" xmlns:v="urn:schemas-microsoft-com:vml" xmlns:pvml="urn:schemas-microsoft-com:office:powerpoint" xmlns:com="http://schemas.openxmlformats.org/drawingml/2006/compatibility" xmlns:p14="http://schemas.microsoft.com/office/powerpoint/2010/main" xmlns:p15="http://schemas.microsoft.com/office/powerpoint/2012/main">
+<p:sld xmlns:a="http://schemas.openxmlformats.org/drawingml/2006/main" xmlns:r="http://schemas.openxmlformats.org/officeDocument/2006/relationships" xmlns:mc="http://schemas.openxmlformats.org/markup-compatibility/2006" xmlns:mv="urn:schemas-microsoft-com:mac:vml" xmlns:p="http://schemas.openxmlformats.org/presentationml/2006/main" xmlns:c="http://schemas.openxmlformats.org/drawingml/2006/chart" xmlns:dgm="http://schemas.openxmlformats.org/drawingml/2006/diagram" xmlns:o="urn:schemas-microsoft-com:office:office" xmlns:v="urn:schemas-microsoft-com:vml" xmlns:pvml="urn:schemas-microsoft-com:office:powerpoint" xmlns:com="http://schemas.openxmlformats.org/drawingml/2006/compatibility" xmlns:p14="http://schemas.microsoft.com/office/powerpoint/2010/main" xmlns:p15="http://schemas.microsoft.com/office/powerpoint/2012/main" xmlns:ahyp="http://schemas.microsoft.com/office/drawing/2018/hyperlinkcolor">
   <p:cSld>
     <p:spTree>
       <p:nvGrpSpPr>
@@ -19456,7 +18691,7 @@
         <p:spPr>
           <a:xfrm>
             <a:off x="460460" y="445022"/>
-            <a:ext cx="6020954" cy="887583"/>
+            <a:ext cx="6021000" cy="887700"/>
           </a:xfrm>
           <a:prstGeom prst="rect">
             <a:avLst/>
@@ -19491,9 +18726,6 @@
             </a:pPr>
             <a:r>
               <a:rPr b="1" i="0" lang="es-CO" sz="6600" u="none" cap="none" strike="noStrike">
-                <a:solidFill>
-                  <a:schemeClr val="lt1"/>
-                </a:solidFill>
                 <a:latin typeface="Calibri"/>
                 <a:ea typeface="Calibri"/>
                 <a:cs typeface="Calibri"/>
@@ -19502,9 +18734,6 @@
               <a:t>Introducción</a:t>
             </a:r>
             <a:endParaRPr b="0" i="0" sz="6600" u="none" cap="none" strike="noStrike">
-              <a:solidFill>
-                <a:schemeClr val="lt1"/>
-              </a:solidFill>
               <a:latin typeface="Calibri"/>
               <a:ea typeface="Calibri"/>
               <a:cs typeface="Calibri"/>
@@ -19699,7 +18928,7 @@
 </file>
 
 <file path=ppt/slides/slide6.xml><?xml version="1.0" encoding="utf-8"?>
-<p:sld xmlns:a="http://schemas.openxmlformats.org/drawingml/2006/main" xmlns:r="http://schemas.openxmlformats.org/officeDocument/2006/relationships" xmlns:mc="http://schemas.openxmlformats.org/markup-compatibility/2006" xmlns:mv="urn:schemas-microsoft-com:mac:vml" xmlns:p="http://schemas.openxmlformats.org/presentationml/2006/main" xmlns:c="http://schemas.openxmlformats.org/drawingml/2006/chart" xmlns:dgm="http://schemas.openxmlformats.org/drawingml/2006/diagram" xmlns:o="urn:schemas-microsoft-com:office:office" xmlns:v="urn:schemas-microsoft-com:vml" xmlns:pvml="urn:schemas-microsoft-com:office:powerpoint" xmlns:com="http://schemas.openxmlformats.org/drawingml/2006/compatibility" xmlns:p14="http://schemas.microsoft.com/office/powerpoint/2010/main" xmlns:p15="http://schemas.microsoft.com/office/powerpoint/2012/main">
+<p:sld xmlns:a="http://schemas.openxmlformats.org/drawingml/2006/main" xmlns:r="http://schemas.openxmlformats.org/officeDocument/2006/relationships" xmlns:mc="http://schemas.openxmlformats.org/markup-compatibility/2006" xmlns:mv="urn:schemas-microsoft-com:mac:vml" xmlns:p="http://schemas.openxmlformats.org/presentationml/2006/main" xmlns:c="http://schemas.openxmlformats.org/drawingml/2006/chart" xmlns:dgm="http://schemas.openxmlformats.org/drawingml/2006/diagram" xmlns:o="urn:schemas-microsoft-com:office:office" xmlns:v="urn:schemas-microsoft-com:vml" xmlns:pvml="urn:schemas-microsoft-com:office:powerpoint" xmlns:com="http://schemas.openxmlformats.org/drawingml/2006/compatibility" xmlns:p14="http://schemas.microsoft.com/office/powerpoint/2010/main" xmlns:p15="http://schemas.microsoft.com/office/powerpoint/2012/main" xmlns:ahyp="http://schemas.microsoft.com/office/drawing/2018/hyperlinkcolor">
   <p:cSld>
     <p:spTree>
       <p:nvGrpSpPr>
@@ -19759,9 +18988,6 @@
             </a:pPr>
             <a:r>
               <a:rPr b="0" i="0" lang="es-CO" sz="5400" u="none" cap="none" strike="noStrike">
-                <a:solidFill>
-                  <a:schemeClr val="lt1"/>
-                </a:solidFill>
                 <a:latin typeface="Calibri"/>
                 <a:ea typeface="Calibri"/>
                 <a:cs typeface="Calibri"/>
@@ -19770,9 +18996,6 @@
               <a:t>Descripción del Problema</a:t>
             </a:r>
             <a:endParaRPr b="0" i="0" sz="5400" u="none" cap="none" strike="noStrike">
-              <a:solidFill>
-                <a:schemeClr val="lt1"/>
-              </a:solidFill>
               <a:latin typeface="Calibri"/>
               <a:ea typeface="Calibri"/>
               <a:cs typeface="Calibri"/>
@@ -20038,7 +19261,7 @@
 </file>
 
 <file path=ppt/slides/slide7.xml><?xml version="1.0" encoding="utf-8"?>
-<p:sld xmlns:a="http://schemas.openxmlformats.org/drawingml/2006/main" xmlns:r="http://schemas.openxmlformats.org/officeDocument/2006/relationships" xmlns:mc="http://schemas.openxmlformats.org/markup-compatibility/2006" xmlns:mv="urn:schemas-microsoft-com:mac:vml" xmlns:p="http://schemas.openxmlformats.org/presentationml/2006/main" xmlns:c="http://schemas.openxmlformats.org/drawingml/2006/chart" xmlns:dgm="http://schemas.openxmlformats.org/drawingml/2006/diagram" xmlns:o="urn:schemas-microsoft-com:office:office" xmlns:v="urn:schemas-microsoft-com:vml" xmlns:pvml="urn:schemas-microsoft-com:office:powerpoint" xmlns:com="http://schemas.openxmlformats.org/drawingml/2006/compatibility" xmlns:p14="http://schemas.microsoft.com/office/powerpoint/2010/main" xmlns:p15="http://schemas.microsoft.com/office/powerpoint/2012/main">
+<p:sld xmlns:a="http://schemas.openxmlformats.org/drawingml/2006/main" xmlns:r="http://schemas.openxmlformats.org/officeDocument/2006/relationships" xmlns:mc="http://schemas.openxmlformats.org/markup-compatibility/2006" xmlns:mv="urn:schemas-microsoft-com:mac:vml" xmlns:p="http://schemas.openxmlformats.org/presentationml/2006/main" xmlns:c="http://schemas.openxmlformats.org/drawingml/2006/chart" xmlns:dgm="http://schemas.openxmlformats.org/drawingml/2006/diagram" xmlns:o="urn:schemas-microsoft-com:office:office" xmlns:v="urn:schemas-microsoft-com:vml" xmlns:pvml="urn:schemas-microsoft-com:office:powerpoint" xmlns:com="http://schemas.openxmlformats.org/drawingml/2006/compatibility" xmlns:p14="http://schemas.microsoft.com/office/powerpoint/2010/main" xmlns:p15="http://schemas.microsoft.com/office/powerpoint/2012/main" xmlns:ahyp="http://schemas.microsoft.com/office/drawing/2018/hyperlinkcolor">
   <p:cSld>
     <p:spTree>
       <p:nvGrpSpPr>
@@ -20099,7 +19322,7 @@
             <a:r>
               <a:rPr b="1" i="0" lang="es-CO" sz="5400" u="none" cap="none" strike="noStrike">
                 <a:solidFill>
-                  <a:schemeClr val="lt1"/>
+                  <a:schemeClr val="accent6"/>
                 </a:solidFill>
                 <a:latin typeface="Calibri"/>
                 <a:ea typeface="Calibri"/>
@@ -20110,7 +19333,7 @@
             </a:r>
             <a:endParaRPr b="0" i="0" sz="5400" u="none" cap="none" strike="noStrike">
               <a:solidFill>
-                <a:schemeClr val="lt1"/>
+                <a:schemeClr val="accent6"/>
               </a:solidFill>
               <a:latin typeface="Calibri"/>
               <a:ea typeface="Calibri"/>
@@ -20252,7 +19475,7 @@
 </file>
 
 <file path=ppt/slides/slide8.xml><?xml version="1.0" encoding="utf-8"?>
-<p:sld xmlns:a="http://schemas.openxmlformats.org/drawingml/2006/main" xmlns:r="http://schemas.openxmlformats.org/officeDocument/2006/relationships" xmlns:mc="http://schemas.openxmlformats.org/markup-compatibility/2006" xmlns:mv="urn:schemas-microsoft-com:mac:vml" xmlns:p="http://schemas.openxmlformats.org/presentationml/2006/main" xmlns:c="http://schemas.openxmlformats.org/drawingml/2006/chart" xmlns:dgm="http://schemas.openxmlformats.org/drawingml/2006/diagram" xmlns:o="urn:schemas-microsoft-com:office:office" xmlns:v="urn:schemas-microsoft-com:vml" xmlns:pvml="urn:schemas-microsoft-com:office:powerpoint" xmlns:com="http://schemas.openxmlformats.org/drawingml/2006/compatibility" xmlns:p14="http://schemas.microsoft.com/office/powerpoint/2010/main" xmlns:p15="http://schemas.microsoft.com/office/powerpoint/2012/main">
+<p:sld xmlns:a="http://schemas.openxmlformats.org/drawingml/2006/main" xmlns:r="http://schemas.openxmlformats.org/officeDocument/2006/relationships" xmlns:mc="http://schemas.openxmlformats.org/markup-compatibility/2006" xmlns:mv="urn:schemas-microsoft-com:mac:vml" xmlns:p="http://schemas.openxmlformats.org/presentationml/2006/main" xmlns:c="http://schemas.openxmlformats.org/drawingml/2006/chart" xmlns:dgm="http://schemas.openxmlformats.org/drawingml/2006/diagram" xmlns:o="urn:schemas-microsoft-com:office:office" xmlns:v="urn:schemas-microsoft-com:vml" xmlns:pvml="urn:schemas-microsoft-com:office:powerpoint" xmlns:com="http://schemas.openxmlformats.org/drawingml/2006/compatibility" xmlns:p14="http://schemas.microsoft.com/office/powerpoint/2010/main" xmlns:p15="http://schemas.microsoft.com/office/powerpoint/2012/main" xmlns:ahyp="http://schemas.microsoft.com/office/drawing/2018/hyperlinkcolor">
   <p:cSld>
     <p:spTree>
       <p:nvGrpSpPr>
@@ -20741,7 +19964,7 @@
 </file>
 
 <file path=ppt/slides/slide9.xml><?xml version="1.0" encoding="utf-8"?>
-<p:sld xmlns:a="http://schemas.openxmlformats.org/drawingml/2006/main" xmlns:r="http://schemas.openxmlformats.org/officeDocument/2006/relationships" xmlns:mc="http://schemas.openxmlformats.org/markup-compatibility/2006" xmlns:mv="urn:schemas-microsoft-com:mac:vml" xmlns:p="http://schemas.openxmlformats.org/presentationml/2006/main" xmlns:c="http://schemas.openxmlformats.org/drawingml/2006/chart" xmlns:dgm="http://schemas.openxmlformats.org/drawingml/2006/diagram" xmlns:o="urn:schemas-microsoft-com:office:office" xmlns:v="urn:schemas-microsoft-com:vml" xmlns:pvml="urn:schemas-microsoft-com:office:powerpoint" xmlns:com="http://schemas.openxmlformats.org/drawingml/2006/compatibility" xmlns:p14="http://schemas.microsoft.com/office/powerpoint/2010/main" xmlns:p15="http://schemas.microsoft.com/office/powerpoint/2012/main">
+<p:sld xmlns:a="http://schemas.openxmlformats.org/drawingml/2006/main" xmlns:r="http://schemas.openxmlformats.org/officeDocument/2006/relationships" xmlns:mc="http://schemas.openxmlformats.org/markup-compatibility/2006" xmlns:mv="urn:schemas-microsoft-com:mac:vml" xmlns:p="http://schemas.openxmlformats.org/presentationml/2006/main" xmlns:c="http://schemas.openxmlformats.org/drawingml/2006/chart" xmlns:dgm="http://schemas.openxmlformats.org/drawingml/2006/diagram" xmlns:o="urn:schemas-microsoft-com:office:office" xmlns:v="urn:schemas-microsoft-com:vml" xmlns:pvml="urn:schemas-microsoft-com:office:powerpoint" xmlns:com="http://schemas.openxmlformats.org/drawingml/2006/compatibility" xmlns:p14="http://schemas.microsoft.com/office/powerpoint/2010/main" xmlns:p15="http://schemas.microsoft.com/office/powerpoint/2012/main" xmlns:ahyp="http://schemas.microsoft.com/office/drawing/2018/hyperlinkcolor">
   <p:cSld>
     <p:spTree>
       <p:nvGrpSpPr>
@@ -20801,9 +20024,6 @@
             </a:pPr>
             <a:r>
               <a:rPr b="0" i="0" lang="es-CO" sz="5400" u="none" cap="none" strike="noStrike">
-                <a:solidFill>
-                  <a:schemeClr val="lt1"/>
-                </a:solidFill>
                 <a:latin typeface="Calibri"/>
                 <a:ea typeface="Calibri"/>
                 <a:cs typeface="Calibri"/>
@@ -20812,9 +20032,6 @@
               <a:t>Alcance</a:t>
             </a:r>
             <a:endParaRPr b="0" i="0" sz="5400" u="none" cap="none" strike="noStrike">
-              <a:solidFill>
-                <a:schemeClr val="lt1"/>
-              </a:solidFill>
               <a:latin typeface="Calibri"/>
               <a:ea typeface="Calibri"/>
               <a:cs typeface="Calibri"/>
@@ -20965,7 +20182,7 @@
             </a:endParaRPr>
           </a:p>
           <a:p>
-            <a:pPr indent="0" lvl="0" marL="0" marR="0" rtl="0" algn="l">
+            <a:pPr indent="-101600" lvl="0" marL="0" marR="0" rtl="0" algn="l">
               <a:lnSpc>
                 <a:spcPct val="100000"/>
               </a:lnSpc>
@@ -21005,7 +20222,7 @@
             </a:endParaRPr>
           </a:p>
           <a:p>
-            <a:pPr indent="0" lvl="0" marL="0" marR="0" rtl="0" algn="l">
+            <a:pPr indent="-101600" lvl="0" marL="0" marR="0" rtl="0" algn="l">
               <a:lnSpc>
                 <a:spcPct val="100000"/>
               </a:lnSpc>
@@ -21045,7 +20262,7 @@
             </a:endParaRPr>
           </a:p>
           <a:p>
-            <a:pPr indent="0" lvl="0" marL="0" marR="0" rtl="0" algn="l">
+            <a:pPr indent="-101600" lvl="0" marL="0" marR="0" rtl="0" algn="l">
               <a:lnSpc>
                 <a:spcPct val="100000"/>
               </a:lnSpc>
@@ -21085,7 +20302,7 @@
             </a:endParaRPr>
           </a:p>
           <a:p>
-            <a:pPr indent="0" lvl="0" marL="0" marR="0" rtl="0" algn="l">
+            <a:pPr indent="-101600" lvl="0" marL="0" marR="0" rtl="0" algn="l">
               <a:lnSpc>
                 <a:spcPct val="100000"/>
               </a:lnSpc>
@@ -21125,7 +20342,7 @@
             </a:endParaRPr>
           </a:p>
           <a:p>
-            <a:pPr indent="0" lvl="0" marL="0" marR="0" rtl="0" algn="l">
+            <a:pPr indent="-101600" lvl="0" marL="0" marR="0" rtl="0" algn="l">
               <a:lnSpc>
                 <a:spcPct val="100000"/>
               </a:lnSpc>
